--- a/study-note/자바/2022-08-03 내용정리 .pptx
+++ b/study-note/자바/2022-08-03 내용정리 .pptx
@@ -5,11 +5,16 @@
     <p:sldMasterId id="2147483648" r:id="rId1"/>
   </p:sldMasterIdLst>
   <p:notesMasterIdLst>
-    <p:notesMasterId r:id="rId4"/>
+    <p:notesMasterId r:id="rId9"/>
   </p:notesMasterIdLst>
   <p:sldIdLst>
     <p:sldId id="256" r:id="rId2"/>
-    <p:sldId id="271" r:id="rId3"/>
+    <p:sldId id="273" r:id="rId3"/>
+    <p:sldId id="274" r:id="rId4"/>
+    <p:sldId id="272" r:id="rId5"/>
+    <p:sldId id="271" r:id="rId6"/>
+    <p:sldId id="275" r:id="rId7"/>
+    <p:sldId id="276" r:id="rId8"/>
   </p:sldIdLst>
   <p:sldSz cx="12192000" cy="6858000"/>
   <p:notesSz cx="6858000" cy="9144000"/>
@@ -3771,6 +3776,2510 @@
       </p:grpSpPr>
       <p:sp>
         <p:nvSpPr>
+          <p:cNvPr id="20" name="직사각형 19">
+            <a:extLst>
+              <a:ext uri="{FF2B5EF4-FFF2-40B4-BE49-F238E27FC236}">
+                <a16:creationId xmlns:a16="http://schemas.microsoft.com/office/drawing/2014/main" id="{A5D91493-3D40-5959-F45E-27828396AB97}"/>
+              </a:ext>
+            </a:extLst>
+          </p:cNvPr>
+          <p:cNvSpPr/>
+          <p:nvPr/>
+        </p:nvSpPr>
+        <p:spPr>
+          <a:xfrm>
+            <a:off x="843048" y="1587209"/>
+            <a:ext cx="2186152" cy="1072055"/>
+          </a:xfrm>
+          <a:prstGeom prst="rect">
+            <a:avLst/>
+          </a:prstGeom>
+        </p:spPr>
+        <p:style>
+          <a:lnRef idx="2">
+            <a:schemeClr val="accent1">
+              <a:shade val="50000"/>
+            </a:schemeClr>
+          </a:lnRef>
+          <a:fillRef idx="1">
+            <a:schemeClr val="accent1"/>
+          </a:fillRef>
+          <a:effectRef idx="0">
+            <a:schemeClr val="accent1"/>
+          </a:effectRef>
+          <a:fontRef idx="minor">
+            <a:schemeClr val="lt1"/>
+          </a:fontRef>
+        </p:style>
+        <p:txBody>
+          <a:bodyPr rtlCol="0" anchor="ctr"/>
+          <a:lstStyle/>
+          <a:p>
+            <a:pPr algn="ctr"/>
+            <a:r>
+              <a:rPr kumimoji="1" lang="en-US" altLang="ko-Kore-KR" dirty="0" err="1"/>
+              <a:t>ProtocolA</a:t>
+            </a:r>
+            <a:endParaRPr kumimoji="1" lang="ko-Kore-KR" altLang="en-US" dirty="0"/>
+          </a:p>
+        </p:txBody>
+      </p:sp>
+      <p:sp>
+        <p:nvSpPr>
+          <p:cNvPr id="25" name="직사각형 24">
+            <a:extLst>
+              <a:ext uri="{FF2B5EF4-FFF2-40B4-BE49-F238E27FC236}">
+                <a16:creationId xmlns:a16="http://schemas.microsoft.com/office/drawing/2014/main" id="{AA843219-B5B5-D6ED-4ED9-900121BB2A5B}"/>
+              </a:ext>
+            </a:extLst>
+          </p:cNvPr>
+          <p:cNvSpPr/>
+          <p:nvPr/>
+        </p:nvSpPr>
+        <p:spPr>
+          <a:xfrm>
+            <a:off x="843048" y="3890752"/>
+            <a:ext cx="2186152" cy="1072055"/>
+          </a:xfrm>
+          <a:prstGeom prst="rect">
+            <a:avLst/>
+          </a:prstGeom>
+        </p:spPr>
+        <p:style>
+          <a:lnRef idx="2">
+            <a:schemeClr val="accent1">
+              <a:shade val="50000"/>
+            </a:schemeClr>
+          </a:lnRef>
+          <a:fillRef idx="1">
+            <a:schemeClr val="accent1"/>
+          </a:fillRef>
+          <a:effectRef idx="0">
+            <a:schemeClr val="accent1"/>
+          </a:effectRef>
+          <a:fontRef idx="minor">
+            <a:schemeClr val="lt1"/>
+          </a:fontRef>
+        </p:style>
+        <p:txBody>
+          <a:bodyPr rtlCol="0" anchor="ctr"/>
+          <a:lstStyle/>
+          <a:p>
+            <a:pPr algn="ctr"/>
+            <a:r>
+              <a:rPr kumimoji="1" lang="en-US" altLang="ko-Kore-KR" dirty="0" err="1"/>
+              <a:t>MyClass</a:t>
+            </a:r>
+            <a:endParaRPr kumimoji="1" lang="en-US" altLang="ko-Kore-KR" dirty="0"/>
+          </a:p>
+          <a:p>
+            <a:pPr algn="ctr"/>
+            <a:r>
+              <a:rPr kumimoji="1" lang="en-US" altLang="ko-Kore-KR" dirty="0"/>
+              <a:t>class</a:t>
+            </a:r>
+            <a:endParaRPr kumimoji="1" lang="ko-Kore-KR" altLang="en-US" dirty="0"/>
+          </a:p>
+        </p:txBody>
+      </p:sp>
+      <p:cxnSp>
+        <p:nvCxnSpPr>
+          <p:cNvPr id="32" name="직선 화살표 연결선 31">
+            <a:extLst>
+              <a:ext uri="{FF2B5EF4-FFF2-40B4-BE49-F238E27FC236}">
+                <a16:creationId xmlns:a16="http://schemas.microsoft.com/office/drawing/2014/main" id="{A17D4700-9BAC-0B87-DD68-51C04FA272DF}"/>
+              </a:ext>
+            </a:extLst>
+          </p:cNvPr>
+          <p:cNvCxnSpPr>
+            <a:cxnSpLocks/>
+            <a:stCxn id="25" idx="0"/>
+            <a:endCxn id="20" idx="2"/>
+          </p:cNvCxnSpPr>
+          <p:nvPr/>
+        </p:nvCxnSpPr>
+        <p:spPr>
+          <a:xfrm flipV="1">
+            <a:off x="1936124" y="2659264"/>
+            <a:ext cx="0" cy="1231488"/>
+          </a:xfrm>
+          <a:prstGeom prst="straightConnector1">
+            <a:avLst/>
+          </a:prstGeom>
+          <a:ln w="9525" cap="flat" cmpd="sng" algn="ctr">
+            <a:solidFill>
+              <a:schemeClr val="accent1"/>
+            </a:solidFill>
+            <a:prstDash val="dash"/>
+            <a:round/>
+            <a:headEnd type="none" w="med" len="med"/>
+            <a:tailEnd type="none" w="med" len="med"/>
+          </a:ln>
+        </p:spPr>
+        <p:style>
+          <a:lnRef idx="0">
+            <a:scrgbClr r="0" g="0" b="0"/>
+          </a:lnRef>
+          <a:fillRef idx="0">
+            <a:scrgbClr r="0" g="0" b="0"/>
+          </a:fillRef>
+          <a:effectRef idx="0">
+            <a:scrgbClr r="0" g="0" b="0"/>
+          </a:effectRef>
+          <a:fontRef idx="minor">
+            <a:schemeClr val="tx1"/>
+          </a:fontRef>
+        </p:style>
+      </p:cxnSp>
+      <p:sp>
+        <p:nvSpPr>
+          <p:cNvPr id="36" name="삼각형 35">
+            <a:extLst>
+              <a:ext uri="{FF2B5EF4-FFF2-40B4-BE49-F238E27FC236}">
+                <a16:creationId xmlns:a16="http://schemas.microsoft.com/office/drawing/2014/main" id="{D89647EE-DBA6-34E6-E991-9414BC135FAB}"/>
+              </a:ext>
+            </a:extLst>
+          </p:cNvPr>
+          <p:cNvSpPr/>
+          <p:nvPr/>
+        </p:nvSpPr>
+        <p:spPr>
+          <a:xfrm>
+            <a:off x="1845490" y="2662432"/>
+            <a:ext cx="181267" cy="156265"/>
+          </a:xfrm>
+          <a:prstGeom prst="triangle">
+            <a:avLst/>
+          </a:prstGeom>
+        </p:spPr>
+        <p:style>
+          <a:lnRef idx="2">
+            <a:schemeClr val="accent1">
+              <a:shade val="50000"/>
+            </a:schemeClr>
+          </a:lnRef>
+          <a:fillRef idx="1">
+            <a:schemeClr val="accent1"/>
+          </a:fillRef>
+          <a:effectRef idx="0">
+            <a:schemeClr val="accent1"/>
+          </a:effectRef>
+          <a:fontRef idx="minor">
+            <a:schemeClr val="lt1"/>
+          </a:fontRef>
+        </p:style>
+        <p:txBody>
+          <a:bodyPr rtlCol="0" anchor="ctr"/>
+          <a:lstStyle/>
+          <a:p>
+            <a:pPr algn="ctr"/>
+            <a:endParaRPr kumimoji="1" lang="ko-Kore-KR" altLang="en-US"/>
+          </a:p>
+        </p:txBody>
+      </p:sp>
+      <p:sp>
+        <p:nvSpPr>
+          <p:cNvPr id="51" name="TextBox 50">
+            <a:extLst>
+              <a:ext uri="{FF2B5EF4-FFF2-40B4-BE49-F238E27FC236}">
+                <a16:creationId xmlns:a16="http://schemas.microsoft.com/office/drawing/2014/main" id="{2667BFCB-93CF-B674-167C-FF441C1B5081}"/>
+              </a:ext>
+            </a:extLst>
+          </p:cNvPr>
+          <p:cNvSpPr txBox="1"/>
+          <p:nvPr/>
+        </p:nvSpPr>
+        <p:spPr>
+          <a:xfrm>
+            <a:off x="3665244" y="1523071"/>
+            <a:ext cx="1545276" cy="1200329"/>
+          </a:xfrm>
+          <a:prstGeom prst="rect">
+            <a:avLst/>
+          </a:prstGeom>
+        </p:spPr>
+        <p:style>
+          <a:lnRef idx="2">
+            <a:schemeClr val="accent1"/>
+          </a:lnRef>
+          <a:fillRef idx="1">
+            <a:schemeClr val="lt1"/>
+          </a:fillRef>
+          <a:effectRef idx="0">
+            <a:schemeClr val="accent1"/>
+          </a:effectRef>
+          <a:fontRef idx="minor">
+            <a:schemeClr val="dk1"/>
+          </a:fontRef>
+        </p:style>
+        <p:txBody>
+          <a:bodyPr wrap="square" rtlCol="0">
+            <a:spAutoFit/>
+          </a:bodyPr>
+          <a:lstStyle/>
+          <a:p>
+            <a:pPr marL="285750" indent="-285750">
+              <a:buFont typeface="Arial" panose="020B0604020202020204" pitchFamily="34" charset="0"/>
+              <a:buChar char="•"/>
+            </a:pPr>
+            <a:r>
+              <a:rPr kumimoji="1" lang="en-US" altLang="ko-Kore-KR" dirty="0"/>
+              <a:t>rule1()</a:t>
+            </a:r>
+          </a:p>
+          <a:p>
+            <a:pPr marL="285750" indent="-285750">
+              <a:buFont typeface="Arial" panose="020B0604020202020204" pitchFamily="34" charset="0"/>
+              <a:buChar char="•"/>
+            </a:pPr>
+            <a:r>
+              <a:rPr kumimoji="1" lang="en-US" altLang="ko-Kore-KR" dirty="0"/>
+              <a:t>rule2()</a:t>
+            </a:r>
+          </a:p>
+          <a:p>
+            <a:pPr marL="285750" indent="-285750">
+              <a:buFont typeface="Arial" panose="020B0604020202020204" pitchFamily="34" charset="0"/>
+              <a:buChar char="•"/>
+            </a:pPr>
+            <a:r>
+              <a:rPr kumimoji="1" lang="en-US" altLang="ko-Kore-KR" dirty="0"/>
+              <a:t>rule3()</a:t>
+            </a:r>
+          </a:p>
+          <a:p>
+            <a:pPr marL="285750" indent="-285750">
+              <a:buFont typeface="Arial" panose="020B0604020202020204" pitchFamily="34" charset="0"/>
+              <a:buChar char="•"/>
+            </a:pPr>
+            <a:r>
+              <a:rPr kumimoji="1" lang="en-US" altLang="ko-Kore-KR" dirty="0"/>
+              <a:t>rule4()</a:t>
+            </a:r>
+          </a:p>
+        </p:txBody>
+      </p:sp>
+      <p:sp>
+        <p:nvSpPr>
+          <p:cNvPr id="3" name="TextBox 2">
+            <a:extLst>
+              <a:ext uri="{FF2B5EF4-FFF2-40B4-BE49-F238E27FC236}">
+                <a16:creationId xmlns:a16="http://schemas.microsoft.com/office/drawing/2014/main" id="{7317B25F-FC8A-1985-00BD-40CDB0E2CF18}"/>
+              </a:ext>
+            </a:extLst>
+          </p:cNvPr>
+          <p:cNvSpPr txBox="1"/>
+          <p:nvPr/>
+        </p:nvSpPr>
+        <p:spPr>
+          <a:xfrm>
+            <a:off x="3665244" y="3890752"/>
+            <a:ext cx="1545276" cy="1200329"/>
+          </a:xfrm>
+          <a:prstGeom prst="rect">
+            <a:avLst/>
+          </a:prstGeom>
+        </p:spPr>
+        <p:style>
+          <a:lnRef idx="2">
+            <a:schemeClr val="accent1"/>
+          </a:lnRef>
+          <a:fillRef idx="1">
+            <a:schemeClr val="lt1"/>
+          </a:fillRef>
+          <a:effectRef idx="0">
+            <a:schemeClr val="accent1"/>
+          </a:effectRef>
+          <a:fontRef idx="minor">
+            <a:schemeClr val="dk1"/>
+          </a:fontRef>
+        </p:style>
+        <p:txBody>
+          <a:bodyPr wrap="square" rtlCol="0">
+            <a:spAutoFit/>
+          </a:bodyPr>
+          <a:lstStyle/>
+          <a:p>
+            <a:pPr marL="285750" indent="-285750">
+              <a:buFont typeface="Arial" panose="020B0604020202020204" pitchFamily="34" charset="0"/>
+              <a:buChar char="•"/>
+            </a:pPr>
+            <a:r>
+              <a:rPr kumimoji="1" lang="en-US" altLang="ko-Kore-KR" dirty="0"/>
+              <a:t>rule1(){}</a:t>
+            </a:r>
+          </a:p>
+          <a:p>
+            <a:pPr marL="285750" indent="-285750">
+              <a:buFont typeface="Arial" panose="020B0604020202020204" pitchFamily="34" charset="0"/>
+              <a:buChar char="•"/>
+            </a:pPr>
+            <a:r>
+              <a:rPr kumimoji="1" lang="en-US" altLang="ko-Kore-KR" dirty="0"/>
+              <a:t>rule2(){}</a:t>
+            </a:r>
+          </a:p>
+          <a:p>
+            <a:pPr marL="285750" indent="-285750">
+              <a:buFont typeface="Arial" panose="020B0604020202020204" pitchFamily="34" charset="0"/>
+              <a:buChar char="•"/>
+            </a:pPr>
+            <a:r>
+              <a:rPr kumimoji="1" lang="en-US" altLang="ko-Kore-KR" dirty="0"/>
+              <a:t>rule3(){}</a:t>
+            </a:r>
+          </a:p>
+          <a:p>
+            <a:pPr marL="285750" indent="-285750">
+              <a:buFont typeface="Arial" panose="020B0604020202020204" pitchFamily="34" charset="0"/>
+              <a:buChar char="•"/>
+            </a:pPr>
+            <a:r>
+              <a:rPr kumimoji="1" lang="en-US" altLang="ko-Kore-KR" dirty="0"/>
+              <a:t>rule4(){}</a:t>
+            </a:r>
+          </a:p>
+        </p:txBody>
+      </p:sp>
+      <p:sp>
+        <p:nvSpPr>
+          <p:cNvPr id="5" name="직사각형 4">
+            <a:extLst>
+              <a:ext uri="{FF2B5EF4-FFF2-40B4-BE49-F238E27FC236}">
+                <a16:creationId xmlns:a16="http://schemas.microsoft.com/office/drawing/2014/main" id="{048A6D7A-4EE0-CA82-94F4-3BDB5D9CCDCC}"/>
+              </a:ext>
+            </a:extLst>
+          </p:cNvPr>
+          <p:cNvSpPr/>
+          <p:nvPr/>
+        </p:nvSpPr>
+        <p:spPr>
+          <a:xfrm>
+            <a:off x="6939639" y="515154"/>
+            <a:ext cx="2186152" cy="1072055"/>
+          </a:xfrm>
+          <a:prstGeom prst="rect">
+            <a:avLst/>
+          </a:prstGeom>
+        </p:spPr>
+        <p:style>
+          <a:lnRef idx="2">
+            <a:schemeClr val="accent1">
+              <a:shade val="50000"/>
+            </a:schemeClr>
+          </a:lnRef>
+          <a:fillRef idx="1">
+            <a:schemeClr val="accent1"/>
+          </a:fillRef>
+          <a:effectRef idx="0">
+            <a:schemeClr val="accent1"/>
+          </a:effectRef>
+          <a:fontRef idx="minor">
+            <a:schemeClr val="lt1"/>
+          </a:fontRef>
+        </p:style>
+        <p:txBody>
+          <a:bodyPr rtlCol="0" anchor="ctr"/>
+          <a:lstStyle/>
+          <a:p>
+            <a:pPr algn="ctr"/>
+            <a:r>
+              <a:rPr kumimoji="1" lang="en-US" altLang="ko-Kore-KR" dirty="0" err="1"/>
+              <a:t>ProtocolA</a:t>
+            </a:r>
+            <a:endParaRPr kumimoji="1" lang="ko-Kore-KR" altLang="en-US" dirty="0"/>
+          </a:p>
+        </p:txBody>
+      </p:sp>
+      <p:sp>
+        <p:nvSpPr>
+          <p:cNvPr id="6" name="직사각형 5">
+            <a:extLst>
+              <a:ext uri="{FF2B5EF4-FFF2-40B4-BE49-F238E27FC236}">
+                <a16:creationId xmlns:a16="http://schemas.microsoft.com/office/drawing/2014/main" id="{528CD21A-CE4D-9478-C8CD-7C403C2D5712}"/>
+              </a:ext>
+            </a:extLst>
+          </p:cNvPr>
+          <p:cNvSpPr/>
+          <p:nvPr/>
+        </p:nvSpPr>
+        <p:spPr>
+          <a:xfrm>
+            <a:off x="6939639" y="2818697"/>
+            <a:ext cx="2186152" cy="1072055"/>
+          </a:xfrm>
+          <a:prstGeom prst="rect">
+            <a:avLst/>
+          </a:prstGeom>
+        </p:spPr>
+        <p:style>
+          <a:lnRef idx="2">
+            <a:schemeClr val="accent1">
+              <a:shade val="50000"/>
+            </a:schemeClr>
+          </a:lnRef>
+          <a:fillRef idx="1">
+            <a:schemeClr val="accent1"/>
+          </a:fillRef>
+          <a:effectRef idx="0">
+            <a:schemeClr val="accent1"/>
+          </a:effectRef>
+          <a:fontRef idx="minor">
+            <a:schemeClr val="lt1"/>
+          </a:fontRef>
+        </p:style>
+        <p:txBody>
+          <a:bodyPr rtlCol="0" anchor="ctr"/>
+          <a:lstStyle/>
+          <a:p>
+            <a:pPr algn="ctr"/>
+            <a:r>
+              <a:rPr kumimoji="1" lang="en-US" altLang="ko-Kore-KR" dirty="0" err="1"/>
+              <a:t>AbstractClass</a:t>
+            </a:r>
+            <a:endParaRPr kumimoji="1" lang="en-US" altLang="ko-Kore-KR" dirty="0"/>
+          </a:p>
+          <a:p>
+            <a:pPr algn="ctr"/>
+            <a:r>
+              <a:rPr kumimoji="1" lang="en-US" altLang="ko-Kore-KR" dirty="0"/>
+              <a:t>class</a:t>
+            </a:r>
+            <a:endParaRPr kumimoji="1" lang="ko-Kore-KR" altLang="en-US" dirty="0"/>
+          </a:p>
+        </p:txBody>
+      </p:sp>
+      <p:cxnSp>
+        <p:nvCxnSpPr>
+          <p:cNvPr id="7" name="직선 화살표 연결선 6">
+            <a:extLst>
+              <a:ext uri="{FF2B5EF4-FFF2-40B4-BE49-F238E27FC236}">
+                <a16:creationId xmlns:a16="http://schemas.microsoft.com/office/drawing/2014/main" id="{7276A822-272B-1F43-EDFA-94A5B76B777E}"/>
+              </a:ext>
+            </a:extLst>
+          </p:cNvPr>
+          <p:cNvCxnSpPr>
+            <a:cxnSpLocks/>
+            <a:stCxn id="6" idx="0"/>
+            <a:endCxn id="5" idx="2"/>
+          </p:cNvCxnSpPr>
+          <p:nvPr/>
+        </p:nvCxnSpPr>
+        <p:spPr>
+          <a:xfrm flipV="1">
+            <a:off x="8032715" y="1587209"/>
+            <a:ext cx="0" cy="1231488"/>
+          </a:xfrm>
+          <a:prstGeom prst="straightConnector1">
+            <a:avLst/>
+          </a:prstGeom>
+          <a:ln w="9525" cap="flat" cmpd="sng" algn="ctr">
+            <a:solidFill>
+              <a:schemeClr val="accent1"/>
+            </a:solidFill>
+            <a:prstDash val="dash"/>
+            <a:round/>
+            <a:headEnd type="none" w="med" len="med"/>
+            <a:tailEnd type="none" w="med" len="med"/>
+          </a:ln>
+        </p:spPr>
+        <p:style>
+          <a:lnRef idx="0">
+            <a:scrgbClr r="0" g="0" b="0"/>
+          </a:lnRef>
+          <a:fillRef idx="0">
+            <a:scrgbClr r="0" g="0" b="0"/>
+          </a:fillRef>
+          <a:effectRef idx="0">
+            <a:scrgbClr r="0" g="0" b="0"/>
+          </a:effectRef>
+          <a:fontRef idx="minor">
+            <a:schemeClr val="tx1"/>
+          </a:fontRef>
+        </p:style>
+      </p:cxnSp>
+      <p:sp>
+        <p:nvSpPr>
+          <p:cNvPr id="8" name="삼각형 7">
+            <a:extLst>
+              <a:ext uri="{FF2B5EF4-FFF2-40B4-BE49-F238E27FC236}">
+                <a16:creationId xmlns:a16="http://schemas.microsoft.com/office/drawing/2014/main" id="{9CF1C7AD-6C94-1498-2795-73E512E3461B}"/>
+              </a:ext>
+            </a:extLst>
+          </p:cNvPr>
+          <p:cNvSpPr/>
+          <p:nvPr/>
+        </p:nvSpPr>
+        <p:spPr>
+          <a:xfrm>
+            <a:off x="7942081" y="1590377"/>
+            <a:ext cx="181267" cy="156265"/>
+          </a:xfrm>
+          <a:prstGeom prst="triangle">
+            <a:avLst/>
+          </a:prstGeom>
+        </p:spPr>
+        <p:style>
+          <a:lnRef idx="2">
+            <a:schemeClr val="accent1">
+              <a:shade val="50000"/>
+            </a:schemeClr>
+          </a:lnRef>
+          <a:fillRef idx="1">
+            <a:schemeClr val="accent1"/>
+          </a:fillRef>
+          <a:effectRef idx="0">
+            <a:schemeClr val="accent1"/>
+          </a:effectRef>
+          <a:fontRef idx="minor">
+            <a:schemeClr val="lt1"/>
+          </a:fontRef>
+        </p:style>
+        <p:txBody>
+          <a:bodyPr rtlCol="0" anchor="ctr"/>
+          <a:lstStyle/>
+          <a:p>
+            <a:pPr algn="ctr"/>
+            <a:endParaRPr kumimoji="1" lang="ko-Kore-KR" altLang="en-US"/>
+          </a:p>
+        </p:txBody>
+      </p:sp>
+      <p:sp>
+        <p:nvSpPr>
+          <p:cNvPr id="10" name="TextBox 9">
+            <a:extLst>
+              <a:ext uri="{FF2B5EF4-FFF2-40B4-BE49-F238E27FC236}">
+                <a16:creationId xmlns:a16="http://schemas.microsoft.com/office/drawing/2014/main" id="{15188DC5-41B3-575A-2C63-0C2411C101F0}"/>
+              </a:ext>
+            </a:extLst>
+          </p:cNvPr>
+          <p:cNvSpPr txBox="1"/>
+          <p:nvPr/>
+        </p:nvSpPr>
+        <p:spPr>
+          <a:xfrm>
+            <a:off x="9761835" y="451016"/>
+            <a:ext cx="1545276" cy="1200329"/>
+          </a:xfrm>
+          <a:prstGeom prst="rect">
+            <a:avLst/>
+          </a:prstGeom>
+        </p:spPr>
+        <p:style>
+          <a:lnRef idx="2">
+            <a:schemeClr val="accent1"/>
+          </a:lnRef>
+          <a:fillRef idx="1">
+            <a:schemeClr val="lt1"/>
+          </a:fillRef>
+          <a:effectRef idx="0">
+            <a:schemeClr val="accent1"/>
+          </a:effectRef>
+          <a:fontRef idx="minor">
+            <a:schemeClr val="dk1"/>
+          </a:fontRef>
+        </p:style>
+        <p:txBody>
+          <a:bodyPr wrap="square" rtlCol="0">
+            <a:spAutoFit/>
+          </a:bodyPr>
+          <a:lstStyle/>
+          <a:p>
+            <a:pPr marL="285750" indent="-285750">
+              <a:buFont typeface="Arial" panose="020B0604020202020204" pitchFamily="34" charset="0"/>
+              <a:buChar char="•"/>
+            </a:pPr>
+            <a:r>
+              <a:rPr kumimoji="1" lang="en-US" altLang="ko-Kore-KR" dirty="0"/>
+              <a:t>rule1()</a:t>
+            </a:r>
+          </a:p>
+          <a:p>
+            <a:pPr marL="285750" indent="-285750">
+              <a:buFont typeface="Arial" panose="020B0604020202020204" pitchFamily="34" charset="0"/>
+              <a:buChar char="•"/>
+            </a:pPr>
+            <a:r>
+              <a:rPr kumimoji="1" lang="en-US" altLang="ko-Kore-KR" dirty="0"/>
+              <a:t>rule2()</a:t>
+            </a:r>
+          </a:p>
+          <a:p>
+            <a:pPr marL="285750" indent="-285750">
+              <a:buFont typeface="Arial" panose="020B0604020202020204" pitchFamily="34" charset="0"/>
+              <a:buChar char="•"/>
+            </a:pPr>
+            <a:r>
+              <a:rPr kumimoji="1" lang="en-US" altLang="ko-Kore-KR" dirty="0"/>
+              <a:t>rule3()</a:t>
+            </a:r>
+          </a:p>
+          <a:p>
+            <a:pPr marL="285750" indent="-285750">
+              <a:buFont typeface="Arial" panose="020B0604020202020204" pitchFamily="34" charset="0"/>
+              <a:buChar char="•"/>
+            </a:pPr>
+            <a:r>
+              <a:rPr kumimoji="1" lang="en-US" altLang="ko-Kore-KR" dirty="0"/>
+              <a:t>rule4()</a:t>
+            </a:r>
+          </a:p>
+        </p:txBody>
+      </p:sp>
+      <p:sp>
+        <p:nvSpPr>
+          <p:cNvPr id="12" name="TextBox 11">
+            <a:extLst>
+              <a:ext uri="{FF2B5EF4-FFF2-40B4-BE49-F238E27FC236}">
+                <a16:creationId xmlns:a16="http://schemas.microsoft.com/office/drawing/2014/main" id="{C658F6B7-5182-EC68-C6B8-F334C29B75A0}"/>
+              </a:ext>
+            </a:extLst>
+          </p:cNvPr>
+          <p:cNvSpPr txBox="1"/>
+          <p:nvPr/>
+        </p:nvSpPr>
+        <p:spPr>
+          <a:xfrm>
+            <a:off x="9761835" y="2818697"/>
+            <a:ext cx="1545276" cy="1200329"/>
+          </a:xfrm>
+          <a:prstGeom prst="rect">
+            <a:avLst/>
+          </a:prstGeom>
+        </p:spPr>
+        <p:style>
+          <a:lnRef idx="2">
+            <a:schemeClr val="accent1"/>
+          </a:lnRef>
+          <a:fillRef idx="1">
+            <a:schemeClr val="lt1"/>
+          </a:fillRef>
+          <a:effectRef idx="0">
+            <a:schemeClr val="accent1"/>
+          </a:effectRef>
+          <a:fontRef idx="minor">
+            <a:schemeClr val="dk1"/>
+          </a:fontRef>
+        </p:style>
+        <p:txBody>
+          <a:bodyPr wrap="square" rtlCol="0">
+            <a:spAutoFit/>
+          </a:bodyPr>
+          <a:lstStyle/>
+          <a:p>
+            <a:pPr marL="285750" indent="-285750">
+              <a:buFont typeface="Arial" panose="020B0604020202020204" pitchFamily="34" charset="0"/>
+              <a:buChar char="•"/>
+            </a:pPr>
+            <a:r>
+              <a:rPr kumimoji="1" lang="en-US" altLang="ko-Kore-KR" dirty="0"/>
+              <a:t>rule1(){}</a:t>
+            </a:r>
+          </a:p>
+          <a:p>
+            <a:pPr marL="285750" indent="-285750">
+              <a:buFont typeface="Arial" panose="020B0604020202020204" pitchFamily="34" charset="0"/>
+              <a:buChar char="•"/>
+            </a:pPr>
+            <a:r>
+              <a:rPr kumimoji="1" lang="en-US" altLang="ko-Kore-KR" dirty="0"/>
+              <a:t>rule2(){}</a:t>
+            </a:r>
+          </a:p>
+          <a:p>
+            <a:pPr marL="285750" indent="-285750">
+              <a:buFont typeface="Arial" panose="020B0604020202020204" pitchFamily="34" charset="0"/>
+              <a:buChar char="•"/>
+            </a:pPr>
+            <a:r>
+              <a:rPr kumimoji="1" lang="en-US" altLang="ko-Kore-KR" dirty="0"/>
+              <a:t>rule3(){}</a:t>
+            </a:r>
+          </a:p>
+          <a:p>
+            <a:pPr marL="285750" indent="-285750">
+              <a:buFont typeface="Arial" panose="020B0604020202020204" pitchFamily="34" charset="0"/>
+              <a:buChar char="•"/>
+            </a:pPr>
+            <a:r>
+              <a:rPr kumimoji="1" lang="en-US" altLang="ko-Kore-KR" dirty="0"/>
+              <a:t>rule4(){}</a:t>
+            </a:r>
+          </a:p>
+        </p:txBody>
+      </p:sp>
+      <p:sp>
+        <p:nvSpPr>
+          <p:cNvPr id="13" name="직사각형 12">
+            <a:extLst>
+              <a:ext uri="{FF2B5EF4-FFF2-40B4-BE49-F238E27FC236}">
+                <a16:creationId xmlns:a16="http://schemas.microsoft.com/office/drawing/2014/main" id="{C7511225-1BF9-2F16-2BBE-A2A7F33ABD30}"/>
+              </a:ext>
+            </a:extLst>
+          </p:cNvPr>
+          <p:cNvSpPr/>
+          <p:nvPr/>
+        </p:nvSpPr>
+        <p:spPr>
+          <a:xfrm>
+            <a:off x="6939639" y="5122240"/>
+            <a:ext cx="2186152" cy="1072055"/>
+          </a:xfrm>
+          <a:prstGeom prst="rect">
+            <a:avLst/>
+          </a:prstGeom>
+        </p:spPr>
+        <p:style>
+          <a:lnRef idx="2">
+            <a:schemeClr val="accent1">
+              <a:shade val="50000"/>
+            </a:schemeClr>
+          </a:lnRef>
+          <a:fillRef idx="1">
+            <a:schemeClr val="accent1"/>
+          </a:fillRef>
+          <a:effectRef idx="0">
+            <a:schemeClr val="accent1"/>
+          </a:effectRef>
+          <a:fontRef idx="minor">
+            <a:schemeClr val="lt1"/>
+          </a:fontRef>
+        </p:style>
+        <p:txBody>
+          <a:bodyPr rtlCol="0" anchor="ctr"/>
+          <a:lstStyle/>
+          <a:p>
+            <a:pPr algn="ctr"/>
+            <a:r>
+              <a:rPr kumimoji="1" lang="en-US" altLang="ko-Kore-KR" dirty="0" err="1"/>
+              <a:t>MyClass</a:t>
+            </a:r>
+            <a:endParaRPr kumimoji="1" lang="en-US" altLang="ko-Kore-KR" dirty="0"/>
+          </a:p>
+          <a:p>
+            <a:pPr algn="ctr"/>
+            <a:r>
+              <a:rPr kumimoji="1" lang="en-US" altLang="ko-Kore-KR" dirty="0"/>
+              <a:t>class</a:t>
+            </a:r>
+            <a:endParaRPr kumimoji="1" lang="ko-Kore-KR" altLang="en-US" dirty="0"/>
+          </a:p>
+        </p:txBody>
+      </p:sp>
+      <p:sp>
+        <p:nvSpPr>
+          <p:cNvPr id="14" name="TextBox 13">
+            <a:extLst>
+              <a:ext uri="{FF2B5EF4-FFF2-40B4-BE49-F238E27FC236}">
+                <a16:creationId xmlns:a16="http://schemas.microsoft.com/office/drawing/2014/main" id="{1B1A366C-AC5C-EC0D-46E9-6C38DB69E073}"/>
+              </a:ext>
+            </a:extLst>
+          </p:cNvPr>
+          <p:cNvSpPr txBox="1"/>
+          <p:nvPr/>
+        </p:nvSpPr>
+        <p:spPr>
+          <a:xfrm>
+            <a:off x="9761835" y="5473601"/>
+            <a:ext cx="1545276" cy="369332"/>
+          </a:xfrm>
+          <a:prstGeom prst="rect">
+            <a:avLst/>
+          </a:prstGeom>
+        </p:spPr>
+        <p:style>
+          <a:lnRef idx="2">
+            <a:schemeClr val="accent1"/>
+          </a:lnRef>
+          <a:fillRef idx="1">
+            <a:schemeClr val="lt1"/>
+          </a:fillRef>
+          <a:effectRef idx="0">
+            <a:schemeClr val="accent1"/>
+          </a:effectRef>
+          <a:fontRef idx="minor">
+            <a:schemeClr val="dk1"/>
+          </a:fontRef>
+        </p:style>
+        <p:txBody>
+          <a:bodyPr wrap="square" rtlCol="0">
+            <a:spAutoFit/>
+          </a:bodyPr>
+          <a:lstStyle/>
+          <a:p>
+            <a:pPr marL="285750" indent="-285750">
+              <a:buFont typeface="Arial" panose="020B0604020202020204" pitchFamily="34" charset="0"/>
+              <a:buChar char="•"/>
+            </a:pPr>
+            <a:r>
+              <a:rPr kumimoji="1" lang="en-US" altLang="ko-Kore-KR" dirty="0"/>
+              <a:t>rule1(){}</a:t>
+            </a:r>
+          </a:p>
+        </p:txBody>
+      </p:sp>
+      <p:cxnSp>
+        <p:nvCxnSpPr>
+          <p:cNvPr id="17" name="직선 화살표 연결선 16">
+            <a:extLst>
+              <a:ext uri="{FF2B5EF4-FFF2-40B4-BE49-F238E27FC236}">
+                <a16:creationId xmlns:a16="http://schemas.microsoft.com/office/drawing/2014/main" id="{DC8DB87C-B298-A90F-1C48-85E040F2C9CE}"/>
+              </a:ext>
+            </a:extLst>
+          </p:cNvPr>
+          <p:cNvCxnSpPr>
+            <a:cxnSpLocks/>
+            <a:stCxn id="13" idx="0"/>
+            <a:endCxn id="6" idx="2"/>
+          </p:cNvCxnSpPr>
+          <p:nvPr/>
+        </p:nvCxnSpPr>
+        <p:spPr>
+          <a:xfrm flipV="1">
+            <a:off x="8032715" y="3890752"/>
+            <a:ext cx="0" cy="1231488"/>
+          </a:xfrm>
+          <a:prstGeom prst="straightConnector1">
+            <a:avLst/>
+          </a:prstGeom>
+          <a:ln>
+            <a:tailEnd type="triangle"/>
+          </a:ln>
+        </p:spPr>
+        <p:style>
+          <a:lnRef idx="3">
+            <a:schemeClr val="accent1"/>
+          </a:lnRef>
+          <a:fillRef idx="0">
+            <a:schemeClr val="accent1"/>
+          </a:fillRef>
+          <a:effectRef idx="2">
+            <a:schemeClr val="accent1"/>
+          </a:effectRef>
+          <a:fontRef idx="minor">
+            <a:schemeClr val="tx1"/>
+          </a:fontRef>
+        </p:style>
+      </p:cxnSp>
+    </p:spTree>
+    <p:extLst>
+      <p:ext uri="{BB962C8B-B14F-4D97-AF65-F5344CB8AC3E}">
+        <p14:creationId xmlns:p14="http://schemas.microsoft.com/office/powerpoint/2010/main" val="3763992447"/>
+      </p:ext>
+    </p:extLst>
+  </p:cSld>
+  <p:clrMapOvr>
+    <a:masterClrMapping/>
+  </p:clrMapOvr>
+</p:sld>
+</file>
+
+<file path=ppt/slides/slide3.xml><?xml version="1.0" encoding="utf-8"?>
+<p:sld xmlns:a="http://schemas.openxmlformats.org/drawingml/2006/main" xmlns:r="http://schemas.openxmlformats.org/officeDocument/2006/relationships" xmlns:p="http://schemas.openxmlformats.org/presentationml/2006/main">
+  <p:cSld>
+    <p:spTree>
+      <p:nvGrpSpPr>
+        <p:cNvPr id="1" name=""/>
+        <p:cNvGrpSpPr/>
+        <p:nvPr/>
+      </p:nvGrpSpPr>
+      <p:grpSpPr>
+        <a:xfrm>
+          <a:off x="0" y="0"/>
+          <a:ext cx="0" cy="0"/>
+          <a:chOff x="0" y="0"/>
+          <a:chExt cx="0" cy="0"/>
+        </a:xfrm>
+      </p:grpSpPr>
+      <p:sp>
+        <p:nvSpPr>
+          <p:cNvPr id="5" name="직사각형 4">
+            <a:extLst>
+              <a:ext uri="{FF2B5EF4-FFF2-40B4-BE49-F238E27FC236}">
+                <a16:creationId xmlns:a16="http://schemas.microsoft.com/office/drawing/2014/main" id="{048A6D7A-4EE0-CA82-94F4-3BDB5D9CCDCC}"/>
+              </a:ext>
+            </a:extLst>
+          </p:cNvPr>
+          <p:cNvSpPr/>
+          <p:nvPr/>
+        </p:nvSpPr>
+        <p:spPr>
+          <a:xfrm>
+            <a:off x="538839" y="257576"/>
+            <a:ext cx="2186152" cy="1072055"/>
+          </a:xfrm>
+          <a:prstGeom prst="rect">
+            <a:avLst/>
+          </a:prstGeom>
+        </p:spPr>
+        <p:style>
+          <a:lnRef idx="2">
+            <a:schemeClr val="accent1">
+              <a:shade val="50000"/>
+            </a:schemeClr>
+          </a:lnRef>
+          <a:fillRef idx="1">
+            <a:schemeClr val="accent1"/>
+          </a:fillRef>
+          <a:effectRef idx="0">
+            <a:schemeClr val="accent1"/>
+          </a:effectRef>
+          <a:fontRef idx="minor">
+            <a:schemeClr val="lt1"/>
+          </a:fontRef>
+        </p:style>
+        <p:txBody>
+          <a:bodyPr rtlCol="0" anchor="ctr"/>
+          <a:lstStyle/>
+          <a:p>
+            <a:pPr algn="ctr"/>
+            <a:r>
+              <a:rPr kumimoji="1" lang="en-US" altLang="ko-Kore-KR" dirty="0" err="1"/>
+              <a:t>CarSpec</a:t>
+            </a:r>
+            <a:endParaRPr kumimoji="1" lang="ko-Kore-KR" altLang="en-US" dirty="0"/>
+          </a:p>
+        </p:txBody>
+      </p:sp>
+      <p:sp>
+        <p:nvSpPr>
+          <p:cNvPr id="6" name="직사각형 5">
+            <a:extLst>
+              <a:ext uri="{FF2B5EF4-FFF2-40B4-BE49-F238E27FC236}">
+                <a16:creationId xmlns:a16="http://schemas.microsoft.com/office/drawing/2014/main" id="{528CD21A-CE4D-9478-C8CD-7C403C2D5712}"/>
+              </a:ext>
+            </a:extLst>
+          </p:cNvPr>
+          <p:cNvSpPr/>
+          <p:nvPr/>
+        </p:nvSpPr>
+        <p:spPr>
+          <a:xfrm>
+            <a:off x="538839" y="2561119"/>
+            <a:ext cx="2186152" cy="1072055"/>
+          </a:xfrm>
+          <a:prstGeom prst="rect">
+            <a:avLst/>
+          </a:prstGeom>
+        </p:spPr>
+        <p:style>
+          <a:lnRef idx="2">
+            <a:schemeClr val="accent1">
+              <a:shade val="50000"/>
+            </a:schemeClr>
+          </a:lnRef>
+          <a:fillRef idx="1">
+            <a:schemeClr val="accent1"/>
+          </a:fillRef>
+          <a:effectRef idx="0">
+            <a:schemeClr val="accent1"/>
+          </a:effectRef>
+          <a:fontRef idx="minor">
+            <a:schemeClr val="lt1"/>
+          </a:fontRef>
+        </p:style>
+        <p:txBody>
+          <a:bodyPr rtlCol="0" anchor="ctr"/>
+          <a:lstStyle/>
+          <a:p>
+            <a:pPr algn="ctr"/>
+            <a:r>
+              <a:rPr kumimoji="1" lang="en-US" altLang="ko-Kore-KR" dirty="0" err="1"/>
+              <a:t>AbstractCar</a:t>
+            </a:r>
+            <a:endParaRPr kumimoji="1" lang="en-US" altLang="ko-Kore-KR" dirty="0"/>
+          </a:p>
+          <a:p>
+            <a:pPr algn="ctr"/>
+            <a:r>
+              <a:rPr kumimoji="1" lang="en-US" altLang="ko-Kore-KR" dirty="0"/>
+              <a:t>class</a:t>
+            </a:r>
+            <a:endParaRPr kumimoji="1" lang="ko-Kore-KR" altLang="en-US" dirty="0"/>
+          </a:p>
+        </p:txBody>
+      </p:sp>
+      <p:cxnSp>
+        <p:nvCxnSpPr>
+          <p:cNvPr id="7" name="직선 화살표 연결선 6">
+            <a:extLst>
+              <a:ext uri="{FF2B5EF4-FFF2-40B4-BE49-F238E27FC236}">
+                <a16:creationId xmlns:a16="http://schemas.microsoft.com/office/drawing/2014/main" id="{7276A822-272B-1F43-EDFA-94A5B76B777E}"/>
+              </a:ext>
+            </a:extLst>
+          </p:cNvPr>
+          <p:cNvCxnSpPr>
+            <a:cxnSpLocks/>
+            <a:stCxn id="6" idx="0"/>
+            <a:endCxn id="5" idx="2"/>
+          </p:cNvCxnSpPr>
+          <p:nvPr/>
+        </p:nvCxnSpPr>
+        <p:spPr>
+          <a:xfrm flipV="1">
+            <a:off x="1631915" y="1329631"/>
+            <a:ext cx="0" cy="1231488"/>
+          </a:xfrm>
+          <a:prstGeom prst="straightConnector1">
+            <a:avLst/>
+          </a:prstGeom>
+          <a:ln w="9525" cap="flat" cmpd="sng" algn="ctr">
+            <a:solidFill>
+              <a:schemeClr val="accent1"/>
+            </a:solidFill>
+            <a:prstDash val="dash"/>
+            <a:round/>
+            <a:headEnd type="none" w="med" len="med"/>
+            <a:tailEnd type="none" w="med" len="med"/>
+          </a:ln>
+        </p:spPr>
+        <p:style>
+          <a:lnRef idx="0">
+            <a:scrgbClr r="0" g="0" b="0"/>
+          </a:lnRef>
+          <a:fillRef idx="0">
+            <a:scrgbClr r="0" g="0" b="0"/>
+          </a:fillRef>
+          <a:effectRef idx="0">
+            <a:scrgbClr r="0" g="0" b="0"/>
+          </a:effectRef>
+          <a:fontRef idx="minor">
+            <a:schemeClr val="tx1"/>
+          </a:fontRef>
+        </p:style>
+      </p:cxnSp>
+      <p:sp>
+        <p:nvSpPr>
+          <p:cNvPr id="8" name="삼각형 7">
+            <a:extLst>
+              <a:ext uri="{FF2B5EF4-FFF2-40B4-BE49-F238E27FC236}">
+                <a16:creationId xmlns:a16="http://schemas.microsoft.com/office/drawing/2014/main" id="{9CF1C7AD-6C94-1498-2795-73E512E3461B}"/>
+              </a:ext>
+            </a:extLst>
+          </p:cNvPr>
+          <p:cNvSpPr/>
+          <p:nvPr/>
+        </p:nvSpPr>
+        <p:spPr>
+          <a:xfrm>
+            <a:off x="1541281" y="1332799"/>
+            <a:ext cx="181267" cy="156265"/>
+          </a:xfrm>
+          <a:prstGeom prst="triangle">
+            <a:avLst/>
+          </a:prstGeom>
+        </p:spPr>
+        <p:style>
+          <a:lnRef idx="2">
+            <a:schemeClr val="accent1">
+              <a:shade val="50000"/>
+            </a:schemeClr>
+          </a:lnRef>
+          <a:fillRef idx="1">
+            <a:schemeClr val="accent1"/>
+          </a:fillRef>
+          <a:effectRef idx="0">
+            <a:schemeClr val="accent1"/>
+          </a:effectRef>
+          <a:fontRef idx="minor">
+            <a:schemeClr val="lt1"/>
+          </a:fontRef>
+        </p:style>
+        <p:txBody>
+          <a:bodyPr rtlCol="0" anchor="ctr"/>
+          <a:lstStyle/>
+          <a:p>
+            <a:pPr algn="ctr"/>
+            <a:endParaRPr kumimoji="1" lang="ko-Kore-KR" altLang="en-US"/>
+          </a:p>
+        </p:txBody>
+      </p:sp>
+      <p:sp>
+        <p:nvSpPr>
+          <p:cNvPr id="10" name="TextBox 9">
+            <a:extLst>
+              <a:ext uri="{FF2B5EF4-FFF2-40B4-BE49-F238E27FC236}">
+                <a16:creationId xmlns:a16="http://schemas.microsoft.com/office/drawing/2014/main" id="{15188DC5-41B3-575A-2C63-0C2411C101F0}"/>
+              </a:ext>
+            </a:extLst>
+          </p:cNvPr>
+          <p:cNvSpPr txBox="1"/>
+          <p:nvPr/>
+        </p:nvSpPr>
+        <p:spPr>
+          <a:xfrm>
+            <a:off x="3361035" y="322518"/>
+            <a:ext cx="1545276" cy="923330"/>
+          </a:xfrm>
+          <a:prstGeom prst="rect">
+            <a:avLst/>
+          </a:prstGeom>
+        </p:spPr>
+        <p:style>
+          <a:lnRef idx="2">
+            <a:schemeClr val="accent1"/>
+          </a:lnRef>
+          <a:fillRef idx="1">
+            <a:schemeClr val="lt1"/>
+          </a:fillRef>
+          <a:effectRef idx="0">
+            <a:schemeClr val="accent1"/>
+          </a:effectRef>
+          <a:fontRef idx="minor">
+            <a:schemeClr val="dk1"/>
+          </a:fontRef>
+        </p:style>
+        <p:txBody>
+          <a:bodyPr wrap="square" rtlCol="0">
+            <a:spAutoFit/>
+          </a:bodyPr>
+          <a:lstStyle/>
+          <a:p>
+            <a:pPr marL="285750" indent="-285750">
+              <a:buFont typeface="Arial" panose="020B0604020202020204" pitchFamily="34" charset="0"/>
+              <a:buChar char="•"/>
+            </a:pPr>
+            <a:r>
+              <a:rPr kumimoji="1" lang="en-US" altLang="ko-Kore-KR" dirty="0"/>
+              <a:t>on()</a:t>
+            </a:r>
+          </a:p>
+          <a:p>
+            <a:pPr marL="285750" indent="-285750">
+              <a:buFont typeface="Arial" panose="020B0604020202020204" pitchFamily="34" charset="0"/>
+              <a:buChar char="•"/>
+            </a:pPr>
+            <a:r>
+              <a:rPr kumimoji="1" lang="en-US" altLang="ko-Kore-KR" dirty="0"/>
+              <a:t>off()</a:t>
+            </a:r>
+          </a:p>
+          <a:p>
+            <a:pPr marL="285750" indent="-285750">
+              <a:buFont typeface="Arial" panose="020B0604020202020204" pitchFamily="34" charset="0"/>
+              <a:buChar char="•"/>
+            </a:pPr>
+            <a:r>
+              <a:rPr kumimoji="1" lang="en-US" altLang="ko-Kore-KR" dirty="0"/>
+              <a:t>run()</a:t>
+            </a:r>
+          </a:p>
+        </p:txBody>
+      </p:sp>
+      <p:sp>
+        <p:nvSpPr>
+          <p:cNvPr id="12" name="TextBox 11">
+            <a:extLst>
+              <a:ext uri="{FF2B5EF4-FFF2-40B4-BE49-F238E27FC236}">
+                <a16:creationId xmlns:a16="http://schemas.microsoft.com/office/drawing/2014/main" id="{C658F6B7-5182-EC68-C6B8-F334C29B75A0}"/>
+              </a:ext>
+            </a:extLst>
+          </p:cNvPr>
+          <p:cNvSpPr txBox="1"/>
+          <p:nvPr/>
+        </p:nvSpPr>
+        <p:spPr>
+          <a:xfrm>
+            <a:off x="3361035" y="2773980"/>
+            <a:ext cx="1545276" cy="646331"/>
+          </a:xfrm>
+          <a:prstGeom prst="rect">
+            <a:avLst/>
+          </a:prstGeom>
+        </p:spPr>
+        <p:style>
+          <a:lnRef idx="2">
+            <a:schemeClr val="accent1"/>
+          </a:lnRef>
+          <a:fillRef idx="1">
+            <a:schemeClr val="lt1"/>
+          </a:fillRef>
+          <a:effectRef idx="0">
+            <a:schemeClr val="accent1"/>
+          </a:effectRef>
+          <a:fontRef idx="minor">
+            <a:schemeClr val="dk1"/>
+          </a:fontRef>
+        </p:style>
+        <p:txBody>
+          <a:bodyPr wrap="square" rtlCol="0">
+            <a:spAutoFit/>
+          </a:bodyPr>
+          <a:lstStyle/>
+          <a:p>
+            <a:pPr marL="285750" indent="-285750">
+              <a:buFont typeface="Arial" panose="020B0604020202020204" pitchFamily="34" charset="0"/>
+              <a:buChar char="•"/>
+            </a:pPr>
+            <a:r>
+              <a:rPr kumimoji="1" lang="en-US" altLang="ko-Kore-KR" dirty="0"/>
+              <a:t>on(){}</a:t>
+            </a:r>
+          </a:p>
+          <a:p>
+            <a:pPr marL="285750" indent="-285750">
+              <a:buFont typeface="Arial" panose="020B0604020202020204" pitchFamily="34" charset="0"/>
+              <a:buChar char="•"/>
+            </a:pPr>
+            <a:r>
+              <a:rPr kumimoji="1" lang="en-US" altLang="ko-Kore-KR" dirty="0"/>
+              <a:t>off(){}</a:t>
+            </a:r>
+          </a:p>
+        </p:txBody>
+      </p:sp>
+      <p:sp>
+        <p:nvSpPr>
+          <p:cNvPr id="13" name="직사각형 12">
+            <a:extLst>
+              <a:ext uri="{FF2B5EF4-FFF2-40B4-BE49-F238E27FC236}">
+                <a16:creationId xmlns:a16="http://schemas.microsoft.com/office/drawing/2014/main" id="{C7511225-1BF9-2F16-2BBE-A2A7F33ABD30}"/>
+              </a:ext>
+            </a:extLst>
+          </p:cNvPr>
+          <p:cNvSpPr/>
+          <p:nvPr/>
+        </p:nvSpPr>
+        <p:spPr>
+          <a:xfrm>
+            <a:off x="538839" y="4864662"/>
+            <a:ext cx="2186152" cy="1072055"/>
+          </a:xfrm>
+          <a:prstGeom prst="rect">
+            <a:avLst/>
+          </a:prstGeom>
+        </p:spPr>
+        <p:style>
+          <a:lnRef idx="2">
+            <a:schemeClr val="accent1">
+              <a:shade val="50000"/>
+            </a:schemeClr>
+          </a:lnRef>
+          <a:fillRef idx="1">
+            <a:schemeClr val="accent1"/>
+          </a:fillRef>
+          <a:effectRef idx="0">
+            <a:schemeClr val="accent1"/>
+          </a:effectRef>
+          <a:fontRef idx="minor">
+            <a:schemeClr val="lt1"/>
+          </a:fontRef>
+        </p:style>
+        <p:txBody>
+          <a:bodyPr rtlCol="0" anchor="ctr"/>
+          <a:lstStyle/>
+          <a:p>
+            <a:pPr algn="ctr"/>
+            <a:r>
+              <a:rPr kumimoji="1" lang="en-US" altLang="ko-Kore-KR" dirty="0" err="1"/>
+              <a:t>MyCar</a:t>
+            </a:r>
+            <a:endParaRPr kumimoji="1" lang="en-US" altLang="ko-Kore-KR" dirty="0"/>
+          </a:p>
+          <a:p>
+            <a:pPr algn="ctr"/>
+            <a:r>
+              <a:rPr kumimoji="1" lang="en-US" altLang="ko-Kore-KR" dirty="0"/>
+              <a:t>class</a:t>
+            </a:r>
+            <a:endParaRPr kumimoji="1" lang="ko-Kore-KR" altLang="en-US" dirty="0"/>
+          </a:p>
+        </p:txBody>
+      </p:sp>
+      <p:sp>
+        <p:nvSpPr>
+          <p:cNvPr id="14" name="TextBox 13">
+            <a:extLst>
+              <a:ext uri="{FF2B5EF4-FFF2-40B4-BE49-F238E27FC236}">
+                <a16:creationId xmlns:a16="http://schemas.microsoft.com/office/drawing/2014/main" id="{1B1A366C-AC5C-EC0D-46E9-6C38DB69E073}"/>
+              </a:ext>
+            </a:extLst>
+          </p:cNvPr>
+          <p:cNvSpPr txBox="1"/>
+          <p:nvPr/>
+        </p:nvSpPr>
+        <p:spPr>
+          <a:xfrm>
+            <a:off x="3361035" y="5216023"/>
+            <a:ext cx="1545276" cy="646331"/>
+          </a:xfrm>
+          <a:prstGeom prst="rect">
+            <a:avLst/>
+          </a:prstGeom>
+        </p:spPr>
+        <p:style>
+          <a:lnRef idx="2">
+            <a:schemeClr val="accent1"/>
+          </a:lnRef>
+          <a:fillRef idx="1">
+            <a:schemeClr val="lt1"/>
+          </a:fillRef>
+          <a:effectRef idx="0">
+            <a:schemeClr val="accent1"/>
+          </a:effectRef>
+          <a:fontRef idx="minor">
+            <a:schemeClr val="dk1"/>
+          </a:fontRef>
+        </p:style>
+        <p:txBody>
+          <a:bodyPr wrap="square" rtlCol="0">
+            <a:spAutoFit/>
+          </a:bodyPr>
+          <a:lstStyle/>
+          <a:p>
+            <a:pPr marL="285750" indent="-285750">
+              <a:buFont typeface="Arial" panose="020B0604020202020204" pitchFamily="34" charset="0"/>
+              <a:buChar char="•"/>
+            </a:pPr>
+            <a:r>
+              <a:rPr kumimoji="1" lang="en-US" altLang="ko-Kore-KR" dirty="0"/>
+              <a:t>run(){}</a:t>
+            </a:r>
+          </a:p>
+          <a:p>
+            <a:pPr marL="285750" indent="-285750">
+              <a:buFont typeface="Arial" panose="020B0604020202020204" pitchFamily="34" charset="0"/>
+              <a:buChar char="•"/>
+            </a:pPr>
+            <a:r>
+              <a:rPr kumimoji="1" lang="en-US" altLang="ko-Kore-KR" dirty="0"/>
+              <a:t>m1(){}</a:t>
+            </a:r>
+          </a:p>
+        </p:txBody>
+      </p:sp>
+      <p:cxnSp>
+        <p:nvCxnSpPr>
+          <p:cNvPr id="17" name="직선 화살표 연결선 16">
+            <a:extLst>
+              <a:ext uri="{FF2B5EF4-FFF2-40B4-BE49-F238E27FC236}">
+                <a16:creationId xmlns:a16="http://schemas.microsoft.com/office/drawing/2014/main" id="{DC8DB87C-B298-A90F-1C48-85E040F2C9CE}"/>
+              </a:ext>
+            </a:extLst>
+          </p:cNvPr>
+          <p:cNvCxnSpPr>
+            <a:cxnSpLocks/>
+            <a:stCxn id="13" idx="0"/>
+            <a:endCxn id="6" idx="2"/>
+          </p:cNvCxnSpPr>
+          <p:nvPr/>
+        </p:nvCxnSpPr>
+        <p:spPr>
+          <a:xfrm flipV="1">
+            <a:off x="1631915" y="3633174"/>
+            <a:ext cx="0" cy="1231488"/>
+          </a:xfrm>
+          <a:prstGeom prst="straightConnector1">
+            <a:avLst/>
+          </a:prstGeom>
+          <a:ln>
+            <a:tailEnd type="triangle"/>
+          </a:ln>
+        </p:spPr>
+        <p:style>
+          <a:lnRef idx="3">
+            <a:schemeClr val="accent1"/>
+          </a:lnRef>
+          <a:fillRef idx="0">
+            <a:schemeClr val="accent1"/>
+          </a:fillRef>
+          <a:effectRef idx="2">
+            <a:schemeClr val="accent1"/>
+          </a:effectRef>
+          <a:fontRef idx="minor">
+            <a:schemeClr val="tx1"/>
+          </a:fontRef>
+        </p:style>
+      </p:cxnSp>
+    </p:spTree>
+    <p:extLst>
+      <p:ext uri="{BB962C8B-B14F-4D97-AF65-F5344CB8AC3E}">
+        <p14:creationId xmlns:p14="http://schemas.microsoft.com/office/powerpoint/2010/main" val="4082772308"/>
+      </p:ext>
+    </p:extLst>
+  </p:cSld>
+  <p:clrMapOvr>
+    <a:masterClrMapping/>
+  </p:clrMapOvr>
+</p:sld>
+</file>
+
+<file path=ppt/slides/slide4.xml><?xml version="1.0" encoding="utf-8"?>
+<p:sld xmlns:a="http://schemas.openxmlformats.org/drawingml/2006/main" xmlns:r="http://schemas.openxmlformats.org/officeDocument/2006/relationships" xmlns:p="http://schemas.openxmlformats.org/presentationml/2006/main">
+  <p:cSld>
+    <p:spTree>
+      <p:nvGrpSpPr>
+        <p:cNvPr id="1" name=""/>
+        <p:cNvGrpSpPr/>
+        <p:nvPr/>
+      </p:nvGrpSpPr>
+      <p:grpSpPr>
+        <a:xfrm>
+          <a:off x="0" y="0"/>
+          <a:ext cx="0" cy="0"/>
+          <a:chOff x="0" y="0"/>
+          <a:chExt cx="0" cy="0"/>
+        </a:xfrm>
+      </p:grpSpPr>
+      <p:sp>
+        <p:nvSpPr>
+          <p:cNvPr id="2" name="직사각형 1">
+            <a:extLst>
+              <a:ext uri="{FF2B5EF4-FFF2-40B4-BE49-F238E27FC236}">
+                <a16:creationId xmlns:a16="http://schemas.microsoft.com/office/drawing/2014/main" id="{01CA0D7D-5EDB-0FF9-8973-AA1A5206BCDC}"/>
+              </a:ext>
+            </a:extLst>
+          </p:cNvPr>
+          <p:cNvSpPr/>
+          <p:nvPr/>
+        </p:nvSpPr>
+        <p:spPr>
+          <a:xfrm>
+            <a:off x="80436" y="3880317"/>
+            <a:ext cx="1324304" cy="1072055"/>
+          </a:xfrm>
+          <a:prstGeom prst="rect">
+            <a:avLst/>
+          </a:prstGeom>
+        </p:spPr>
+        <p:style>
+          <a:lnRef idx="2">
+            <a:schemeClr val="accent1">
+              <a:shade val="50000"/>
+            </a:schemeClr>
+          </a:lnRef>
+          <a:fillRef idx="1">
+            <a:schemeClr val="accent1"/>
+          </a:fillRef>
+          <a:effectRef idx="0">
+            <a:schemeClr val="accent1"/>
+          </a:effectRef>
+          <a:fontRef idx="minor">
+            <a:schemeClr val="lt1"/>
+          </a:fontRef>
+        </p:style>
+        <p:txBody>
+          <a:bodyPr rtlCol="0" anchor="ctr"/>
+          <a:lstStyle/>
+          <a:p>
+            <a:pPr algn="ctr"/>
+            <a:r>
+              <a:rPr kumimoji="1" lang="en-US" altLang="ko-Kore-KR" dirty="0"/>
+              <a:t>App</a:t>
+            </a:r>
+          </a:p>
+          <a:p>
+            <a:pPr algn="ctr"/>
+            <a:r>
+              <a:rPr kumimoji="1" lang="en-US" altLang="ko-Kore-KR" dirty="0"/>
+              <a:t>class</a:t>
+            </a:r>
+            <a:endParaRPr kumimoji="1" lang="ko-Kore-KR" altLang="en-US" dirty="0"/>
+          </a:p>
+        </p:txBody>
+      </p:sp>
+      <p:sp>
+        <p:nvSpPr>
+          <p:cNvPr id="9" name="직사각형 8">
+            <a:extLst>
+              <a:ext uri="{FF2B5EF4-FFF2-40B4-BE49-F238E27FC236}">
+                <a16:creationId xmlns:a16="http://schemas.microsoft.com/office/drawing/2014/main" id="{440E7F1B-8FEC-C5DF-68F0-A4A0DE25C1EA}"/>
+              </a:ext>
+            </a:extLst>
+          </p:cNvPr>
+          <p:cNvSpPr/>
+          <p:nvPr/>
+        </p:nvSpPr>
+        <p:spPr>
+          <a:xfrm>
+            <a:off x="2009085" y="3880317"/>
+            <a:ext cx="2186152" cy="1072055"/>
+          </a:xfrm>
+          <a:prstGeom prst="rect">
+            <a:avLst/>
+          </a:prstGeom>
+        </p:spPr>
+        <p:style>
+          <a:lnRef idx="2">
+            <a:schemeClr val="accent1">
+              <a:shade val="50000"/>
+            </a:schemeClr>
+          </a:lnRef>
+          <a:fillRef idx="1">
+            <a:schemeClr val="accent1"/>
+          </a:fillRef>
+          <a:effectRef idx="0">
+            <a:schemeClr val="accent1"/>
+          </a:effectRef>
+          <a:fontRef idx="minor">
+            <a:schemeClr val="lt1"/>
+          </a:fontRef>
+        </p:style>
+        <p:txBody>
+          <a:bodyPr rtlCol="0" anchor="ctr"/>
+          <a:lstStyle/>
+          <a:p>
+            <a:pPr algn="ctr"/>
+            <a:r>
+              <a:rPr kumimoji="1" lang="en-US" altLang="ko-Kore-KR" dirty="0" err="1"/>
+              <a:t>BoardHandler</a:t>
+            </a:r>
+            <a:endParaRPr kumimoji="1" lang="en-US" altLang="ko-Kore-KR" dirty="0"/>
+          </a:p>
+          <a:p>
+            <a:pPr algn="ctr"/>
+            <a:r>
+              <a:rPr kumimoji="1" lang="en-US" altLang="ko-Kore-KR" dirty="0"/>
+              <a:t>class</a:t>
+            </a:r>
+            <a:endParaRPr kumimoji="1" lang="ko-Kore-KR" altLang="en-US" dirty="0"/>
+          </a:p>
+        </p:txBody>
+      </p:sp>
+      <p:cxnSp>
+        <p:nvCxnSpPr>
+          <p:cNvPr id="11" name="직선 화살표 연결선 10">
+            <a:extLst>
+              <a:ext uri="{FF2B5EF4-FFF2-40B4-BE49-F238E27FC236}">
+                <a16:creationId xmlns:a16="http://schemas.microsoft.com/office/drawing/2014/main" id="{8AB7B69B-0DE7-B72F-2F3A-A7E4F62EAA73}"/>
+              </a:ext>
+            </a:extLst>
+          </p:cNvPr>
+          <p:cNvCxnSpPr>
+            <a:cxnSpLocks/>
+            <a:stCxn id="2" idx="3"/>
+            <a:endCxn id="9" idx="1"/>
+          </p:cNvCxnSpPr>
+          <p:nvPr/>
+        </p:nvCxnSpPr>
+        <p:spPr>
+          <a:xfrm>
+            <a:off x="1404740" y="4416345"/>
+            <a:ext cx="604345" cy="0"/>
+          </a:xfrm>
+          <a:prstGeom prst="straightConnector1">
+            <a:avLst/>
+          </a:prstGeom>
+          <a:ln>
+            <a:tailEnd type="triangle"/>
+          </a:ln>
+        </p:spPr>
+        <p:style>
+          <a:lnRef idx="3">
+            <a:schemeClr val="accent1"/>
+          </a:lnRef>
+          <a:fillRef idx="0">
+            <a:schemeClr val="accent1"/>
+          </a:fillRef>
+          <a:effectRef idx="2">
+            <a:schemeClr val="accent1"/>
+          </a:effectRef>
+          <a:fontRef idx="minor">
+            <a:schemeClr val="tx1"/>
+          </a:fontRef>
+        </p:style>
+      </p:cxnSp>
+      <p:sp>
+        <p:nvSpPr>
+          <p:cNvPr id="15" name="직사각형 14">
+            <a:extLst>
+              <a:ext uri="{FF2B5EF4-FFF2-40B4-BE49-F238E27FC236}">
+                <a16:creationId xmlns:a16="http://schemas.microsoft.com/office/drawing/2014/main" id="{69DC84EC-5B76-671D-9EA5-A6A8DF098DC7}"/>
+              </a:ext>
+            </a:extLst>
+          </p:cNvPr>
+          <p:cNvSpPr/>
+          <p:nvPr/>
+        </p:nvSpPr>
+        <p:spPr>
+          <a:xfrm>
+            <a:off x="4799582" y="3880317"/>
+            <a:ext cx="2186152" cy="1072055"/>
+          </a:xfrm>
+          <a:prstGeom prst="rect">
+            <a:avLst/>
+          </a:prstGeom>
+        </p:spPr>
+        <p:style>
+          <a:lnRef idx="2">
+            <a:schemeClr val="accent1">
+              <a:shade val="50000"/>
+            </a:schemeClr>
+          </a:lnRef>
+          <a:fillRef idx="1">
+            <a:schemeClr val="accent1"/>
+          </a:fillRef>
+          <a:effectRef idx="0">
+            <a:schemeClr val="accent1"/>
+          </a:effectRef>
+          <a:fontRef idx="minor">
+            <a:schemeClr val="lt1"/>
+          </a:fontRef>
+        </p:style>
+        <p:txBody>
+          <a:bodyPr rtlCol="0" anchor="ctr"/>
+          <a:lstStyle/>
+          <a:p>
+            <a:pPr algn="ctr"/>
+            <a:r>
+              <a:rPr kumimoji="1" lang="en-US" altLang="ko-Kore-KR" dirty="0" err="1"/>
+              <a:t>BoardDao</a:t>
+            </a:r>
+            <a:endParaRPr kumimoji="1" lang="en-US" altLang="ko-Kore-KR" dirty="0"/>
+          </a:p>
+          <a:p>
+            <a:pPr algn="ctr"/>
+            <a:r>
+              <a:rPr kumimoji="1" lang="en-US" altLang="ko-Kore-KR" dirty="0"/>
+              <a:t>class</a:t>
+            </a:r>
+            <a:endParaRPr kumimoji="1" lang="ko-Kore-KR" altLang="en-US" dirty="0"/>
+          </a:p>
+        </p:txBody>
+      </p:sp>
+      <p:cxnSp>
+        <p:nvCxnSpPr>
+          <p:cNvPr id="16" name="직선 화살표 연결선 15">
+            <a:extLst>
+              <a:ext uri="{FF2B5EF4-FFF2-40B4-BE49-F238E27FC236}">
+                <a16:creationId xmlns:a16="http://schemas.microsoft.com/office/drawing/2014/main" id="{247224D6-4BAB-98C0-8B10-7323A3F184CC}"/>
+              </a:ext>
+            </a:extLst>
+          </p:cNvPr>
+          <p:cNvCxnSpPr>
+            <a:cxnSpLocks/>
+            <a:stCxn id="9" idx="3"/>
+            <a:endCxn id="15" idx="1"/>
+          </p:cNvCxnSpPr>
+          <p:nvPr/>
+        </p:nvCxnSpPr>
+        <p:spPr>
+          <a:xfrm>
+            <a:off x="4195237" y="4416345"/>
+            <a:ext cx="604345" cy="0"/>
+          </a:xfrm>
+          <a:prstGeom prst="straightConnector1">
+            <a:avLst/>
+          </a:prstGeom>
+          <a:ln>
+            <a:tailEnd type="triangle"/>
+          </a:ln>
+        </p:spPr>
+        <p:style>
+          <a:lnRef idx="3">
+            <a:schemeClr val="accent1"/>
+          </a:lnRef>
+          <a:fillRef idx="0">
+            <a:schemeClr val="accent1"/>
+          </a:fillRef>
+          <a:effectRef idx="2">
+            <a:schemeClr val="accent1"/>
+          </a:effectRef>
+          <a:fontRef idx="minor">
+            <a:schemeClr val="tx1"/>
+          </a:fontRef>
+        </p:style>
+      </p:cxnSp>
+      <p:sp>
+        <p:nvSpPr>
+          <p:cNvPr id="20" name="직사각형 19">
+            <a:extLst>
+              <a:ext uri="{FF2B5EF4-FFF2-40B4-BE49-F238E27FC236}">
+                <a16:creationId xmlns:a16="http://schemas.microsoft.com/office/drawing/2014/main" id="{A5D91493-3D40-5959-F45E-27828396AB97}"/>
+              </a:ext>
+            </a:extLst>
+          </p:cNvPr>
+          <p:cNvSpPr/>
+          <p:nvPr/>
+        </p:nvSpPr>
+        <p:spPr>
+          <a:xfrm>
+            <a:off x="8759077" y="363716"/>
+            <a:ext cx="2186152" cy="1072055"/>
+          </a:xfrm>
+          <a:prstGeom prst="rect">
+            <a:avLst/>
+          </a:prstGeom>
+        </p:spPr>
+        <p:style>
+          <a:lnRef idx="2">
+            <a:schemeClr val="accent1">
+              <a:shade val="50000"/>
+            </a:schemeClr>
+          </a:lnRef>
+          <a:fillRef idx="1">
+            <a:schemeClr val="accent1"/>
+          </a:fillRef>
+          <a:effectRef idx="0">
+            <a:schemeClr val="accent1"/>
+          </a:effectRef>
+          <a:fontRef idx="minor">
+            <a:schemeClr val="lt1"/>
+          </a:fontRef>
+        </p:style>
+        <p:txBody>
+          <a:bodyPr rtlCol="0" anchor="ctr"/>
+          <a:lstStyle/>
+          <a:p>
+            <a:pPr algn="ctr"/>
+            <a:r>
+              <a:rPr kumimoji="1" lang="en-US" altLang="ko-Kore-KR" dirty="0"/>
+              <a:t>&lt;&lt;Interface&gt;&gt;</a:t>
+            </a:r>
+          </a:p>
+          <a:p>
+            <a:pPr algn="ctr"/>
+            <a:r>
+              <a:rPr kumimoji="1" lang="en-US" altLang="ko-Kore-KR" dirty="0"/>
+              <a:t>List</a:t>
+            </a:r>
+            <a:endParaRPr kumimoji="1" lang="ko-Kore-KR" altLang="en-US" dirty="0"/>
+          </a:p>
+        </p:txBody>
+      </p:sp>
+      <p:cxnSp>
+        <p:nvCxnSpPr>
+          <p:cNvPr id="21" name="직선 화살표 연결선 20">
+            <a:extLst>
+              <a:ext uri="{FF2B5EF4-FFF2-40B4-BE49-F238E27FC236}">
+                <a16:creationId xmlns:a16="http://schemas.microsoft.com/office/drawing/2014/main" id="{B462A973-7519-A8A8-FCE8-3A02F897B323}"/>
+              </a:ext>
+            </a:extLst>
+          </p:cNvPr>
+          <p:cNvCxnSpPr>
+            <a:cxnSpLocks/>
+            <a:stCxn id="15" idx="3"/>
+            <a:endCxn id="28" idx="1"/>
+          </p:cNvCxnSpPr>
+          <p:nvPr/>
+        </p:nvCxnSpPr>
+        <p:spPr>
+          <a:xfrm>
+            <a:off x="6985734" y="4416345"/>
+            <a:ext cx="680267" cy="0"/>
+          </a:xfrm>
+          <a:prstGeom prst="straightConnector1">
+            <a:avLst/>
+          </a:prstGeom>
+          <a:ln>
+            <a:tailEnd type="triangle"/>
+          </a:ln>
+        </p:spPr>
+        <p:style>
+          <a:lnRef idx="3">
+            <a:schemeClr val="accent1"/>
+          </a:lnRef>
+          <a:fillRef idx="0">
+            <a:schemeClr val="accent1"/>
+          </a:fillRef>
+          <a:effectRef idx="2">
+            <a:schemeClr val="accent1"/>
+          </a:effectRef>
+          <a:fontRef idx="minor">
+            <a:schemeClr val="tx1"/>
+          </a:fontRef>
+        </p:style>
+      </p:cxnSp>
+      <p:sp>
+        <p:nvSpPr>
+          <p:cNvPr id="25" name="직사각형 24">
+            <a:extLst>
+              <a:ext uri="{FF2B5EF4-FFF2-40B4-BE49-F238E27FC236}">
+                <a16:creationId xmlns:a16="http://schemas.microsoft.com/office/drawing/2014/main" id="{AA843219-B5B5-D6ED-4ED9-900121BB2A5B}"/>
+              </a:ext>
+            </a:extLst>
+          </p:cNvPr>
+          <p:cNvSpPr/>
+          <p:nvPr/>
+        </p:nvSpPr>
+        <p:spPr>
+          <a:xfrm>
+            <a:off x="8759077" y="1971800"/>
+            <a:ext cx="2186152" cy="1072055"/>
+          </a:xfrm>
+          <a:prstGeom prst="rect">
+            <a:avLst/>
+          </a:prstGeom>
+        </p:spPr>
+        <p:style>
+          <a:lnRef idx="2">
+            <a:schemeClr val="accent1">
+              <a:shade val="50000"/>
+            </a:schemeClr>
+          </a:lnRef>
+          <a:fillRef idx="1">
+            <a:schemeClr val="accent1"/>
+          </a:fillRef>
+          <a:effectRef idx="0">
+            <a:schemeClr val="accent1"/>
+          </a:effectRef>
+          <a:fontRef idx="minor">
+            <a:schemeClr val="lt1"/>
+          </a:fontRef>
+        </p:style>
+        <p:txBody>
+          <a:bodyPr rtlCol="0" anchor="ctr"/>
+          <a:lstStyle/>
+          <a:p>
+            <a:pPr algn="ctr"/>
+            <a:r>
+              <a:rPr kumimoji="1" lang="en-US" altLang="ko-Kore-KR" dirty="0" err="1"/>
+              <a:t>AbstractList</a:t>
+            </a:r>
+            <a:endParaRPr kumimoji="1" lang="en-US" altLang="ko-Kore-KR" dirty="0"/>
+          </a:p>
+          <a:p>
+            <a:pPr algn="ctr"/>
+            <a:r>
+              <a:rPr kumimoji="1" lang="en-US" altLang="ko-Kore-KR" dirty="0"/>
+              <a:t>class</a:t>
+            </a:r>
+            <a:endParaRPr kumimoji="1" lang="ko-Kore-KR" altLang="en-US" dirty="0"/>
+          </a:p>
+        </p:txBody>
+      </p:sp>
+      <p:sp>
+        <p:nvSpPr>
+          <p:cNvPr id="26" name="직사각형 25">
+            <a:extLst>
+              <a:ext uri="{FF2B5EF4-FFF2-40B4-BE49-F238E27FC236}">
+                <a16:creationId xmlns:a16="http://schemas.microsoft.com/office/drawing/2014/main" id="{B6A2C458-B2EF-A010-713F-608E65465688}"/>
+              </a:ext>
+            </a:extLst>
+          </p:cNvPr>
+          <p:cNvSpPr/>
+          <p:nvPr/>
+        </p:nvSpPr>
+        <p:spPr>
+          <a:xfrm>
+            <a:off x="9931536" y="3885422"/>
+            <a:ext cx="2186152" cy="1072055"/>
+          </a:xfrm>
+          <a:prstGeom prst="rect">
+            <a:avLst/>
+          </a:prstGeom>
+        </p:spPr>
+        <p:style>
+          <a:lnRef idx="2">
+            <a:schemeClr val="accent1">
+              <a:shade val="50000"/>
+            </a:schemeClr>
+          </a:lnRef>
+          <a:fillRef idx="1">
+            <a:schemeClr val="accent1"/>
+          </a:fillRef>
+          <a:effectRef idx="0">
+            <a:schemeClr val="accent1"/>
+          </a:effectRef>
+          <a:fontRef idx="minor">
+            <a:schemeClr val="lt1"/>
+          </a:fontRef>
+        </p:style>
+        <p:txBody>
+          <a:bodyPr rtlCol="0" anchor="ctr"/>
+          <a:lstStyle/>
+          <a:p>
+            <a:pPr algn="ctr"/>
+            <a:r>
+              <a:rPr kumimoji="1" lang="en-US" altLang="ko-Kore-KR" dirty="0" err="1"/>
+              <a:t>ObjectList</a:t>
+            </a:r>
+            <a:endParaRPr kumimoji="1" lang="ko-Kore-KR" altLang="en-US" dirty="0"/>
+          </a:p>
+        </p:txBody>
+      </p:sp>
+      <p:sp>
+        <p:nvSpPr>
+          <p:cNvPr id="28" name="직사각형 27">
+            <a:extLst>
+              <a:ext uri="{FF2B5EF4-FFF2-40B4-BE49-F238E27FC236}">
+                <a16:creationId xmlns:a16="http://schemas.microsoft.com/office/drawing/2014/main" id="{AE36AB7C-DF80-4421-7E6A-2E168B3DEBED}"/>
+              </a:ext>
+            </a:extLst>
+          </p:cNvPr>
+          <p:cNvSpPr/>
+          <p:nvPr/>
+        </p:nvSpPr>
+        <p:spPr>
+          <a:xfrm>
+            <a:off x="7666001" y="3880317"/>
+            <a:ext cx="2186152" cy="1072055"/>
+          </a:xfrm>
+          <a:prstGeom prst="rect">
+            <a:avLst/>
+          </a:prstGeom>
+        </p:spPr>
+        <p:style>
+          <a:lnRef idx="2">
+            <a:schemeClr val="accent1">
+              <a:shade val="50000"/>
+            </a:schemeClr>
+          </a:lnRef>
+          <a:fillRef idx="1">
+            <a:schemeClr val="accent1"/>
+          </a:fillRef>
+          <a:effectRef idx="0">
+            <a:schemeClr val="accent1"/>
+          </a:effectRef>
+          <a:fontRef idx="minor">
+            <a:schemeClr val="lt1"/>
+          </a:fontRef>
+        </p:style>
+        <p:txBody>
+          <a:bodyPr rtlCol="0" anchor="ctr"/>
+          <a:lstStyle/>
+          <a:p>
+            <a:pPr algn="ctr"/>
+            <a:r>
+              <a:rPr kumimoji="1" lang="en-US" altLang="ko-Kore-KR" dirty="0"/>
+              <a:t>LinkedList</a:t>
+            </a:r>
+            <a:endParaRPr kumimoji="1" lang="ko-Kore-KR" altLang="en-US" dirty="0"/>
+          </a:p>
+        </p:txBody>
+      </p:sp>
+      <p:cxnSp>
+        <p:nvCxnSpPr>
+          <p:cNvPr id="32" name="직선 화살표 연결선 31">
+            <a:extLst>
+              <a:ext uri="{FF2B5EF4-FFF2-40B4-BE49-F238E27FC236}">
+                <a16:creationId xmlns:a16="http://schemas.microsoft.com/office/drawing/2014/main" id="{A17D4700-9BAC-0B87-DD68-51C04FA272DF}"/>
+              </a:ext>
+            </a:extLst>
+          </p:cNvPr>
+          <p:cNvCxnSpPr>
+            <a:cxnSpLocks/>
+            <a:stCxn id="25" idx="0"/>
+            <a:endCxn id="20" idx="2"/>
+          </p:cNvCxnSpPr>
+          <p:nvPr/>
+        </p:nvCxnSpPr>
+        <p:spPr>
+          <a:xfrm flipV="1">
+            <a:off x="9852153" y="1435771"/>
+            <a:ext cx="0" cy="536029"/>
+          </a:xfrm>
+          <a:prstGeom prst="straightConnector1">
+            <a:avLst/>
+          </a:prstGeom>
+          <a:ln w="9525" cap="flat" cmpd="sng" algn="ctr">
+            <a:solidFill>
+              <a:schemeClr val="accent1"/>
+            </a:solidFill>
+            <a:prstDash val="dash"/>
+            <a:round/>
+            <a:headEnd type="none" w="med" len="med"/>
+            <a:tailEnd type="none" w="med" len="med"/>
+          </a:ln>
+        </p:spPr>
+        <p:style>
+          <a:lnRef idx="0">
+            <a:scrgbClr r="0" g="0" b="0"/>
+          </a:lnRef>
+          <a:fillRef idx="0">
+            <a:scrgbClr r="0" g="0" b="0"/>
+          </a:fillRef>
+          <a:effectRef idx="0">
+            <a:scrgbClr r="0" g="0" b="0"/>
+          </a:effectRef>
+          <a:fontRef idx="minor">
+            <a:schemeClr val="tx1"/>
+          </a:fontRef>
+        </p:style>
+      </p:cxnSp>
+      <p:sp>
+        <p:nvSpPr>
+          <p:cNvPr id="36" name="삼각형 35">
+            <a:extLst>
+              <a:ext uri="{FF2B5EF4-FFF2-40B4-BE49-F238E27FC236}">
+                <a16:creationId xmlns:a16="http://schemas.microsoft.com/office/drawing/2014/main" id="{D89647EE-DBA6-34E6-E991-9414BC135FAB}"/>
+              </a:ext>
+            </a:extLst>
+          </p:cNvPr>
+          <p:cNvSpPr/>
+          <p:nvPr/>
+        </p:nvSpPr>
+        <p:spPr>
+          <a:xfrm>
+            <a:off x="9761519" y="1459424"/>
+            <a:ext cx="181267" cy="156265"/>
+          </a:xfrm>
+          <a:prstGeom prst="triangle">
+            <a:avLst/>
+          </a:prstGeom>
+        </p:spPr>
+        <p:style>
+          <a:lnRef idx="2">
+            <a:schemeClr val="accent1">
+              <a:shade val="50000"/>
+            </a:schemeClr>
+          </a:lnRef>
+          <a:fillRef idx="1">
+            <a:schemeClr val="accent1"/>
+          </a:fillRef>
+          <a:effectRef idx="0">
+            <a:schemeClr val="accent1"/>
+          </a:effectRef>
+          <a:fontRef idx="minor">
+            <a:schemeClr val="lt1"/>
+          </a:fontRef>
+        </p:style>
+        <p:txBody>
+          <a:bodyPr rtlCol="0" anchor="ctr"/>
+          <a:lstStyle/>
+          <a:p>
+            <a:pPr algn="ctr"/>
+            <a:endParaRPr kumimoji="1" lang="ko-Kore-KR" altLang="en-US"/>
+          </a:p>
+        </p:txBody>
+      </p:sp>
+      <p:cxnSp>
+        <p:nvCxnSpPr>
+          <p:cNvPr id="37" name="직선 화살표 연결선 36">
+            <a:extLst>
+              <a:ext uri="{FF2B5EF4-FFF2-40B4-BE49-F238E27FC236}">
+                <a16:creationId xmlns:a16="http://schemas.microsoft.com/office/drawing/2014/main" id="{C430C6E5-4CA9-877D-A25F-4D7A062795EA}"/>
+              </a:ext>
+            </a:extLst>
+          </p:cNvPr>
+          <p:cNvCxnSpPr>
+            <a:cxnSpLocks/>
+            <a:stCxn id="26" idx="0"/>
+            <a:endCxn id="25" idx="2"/>
+          </p:cNvCxnSpPr>
+          <p:nvPr/>
+        </p:nvCxnSpPr>
+        <p:spPr>
+          <a:xfrm flipH="1" flipV="1">
+            <a:off x="9852153" y="3043855"/>
+            <a:ext cx="1172459" cy="841567"/>
+          </a:xfrm>
+          <a:prstGeom prst="straightConnector1">
+            <a:avLst/>
+          </a:prstGeom>
+          <a:ln>
+            <a:tailEnd type="triangle"/>
+          </a:ln>
+        </p:spPr>
+        <p:style>
+          <a:lnRef idx="3">
+            <a:schemeClr val="accent1"/>
+          </a:lnRef>
+          <a:fillRef idx="0">
+            <a:schemeClr val="accent1"/>
+          </a:fillRef>
+          <a:effectRef idx="2">
+            <a:schemeClr val="accent1"/>
+          </a:effectRef>
+          <a:fontRef idx="minor">
+            <a:schemeClr val="tx1"/>
+          </a:fontRef>
+        </p:style>
+      </p:cxnSp>
+      <p:cxnSp>
+        <p:nvCxnSpPr>
+          <p:cNvPr id="40" name="직선 화살표 연결선 39">
+            <a:extLst>
+              <a:ext uri="{FF2B5EF4-FFF2-40B4-BE49-F238E27FC236}">
+                <a16:creationId xmlns:a16="http://schemas.microsoft.com/office/drawing/2014/main" id="{06DA23D7-374F-A885-6FD6-35A7BE9156E9}"/>
+              </a:ext>
+            </a:extLst>
+          </p:cNvPr>
+          <p:cNvCxnSpPr>
+            <a:cxnSpLocks/>
+            <a:stCxn id="28" idx="0"/>
+            <a:endCxn id="25" idx="2"/>
+          </p:cNvCxnSpPr>
+          <p:nvPr/>
+        </p:nvCxnSpPr>
+        <p:spPr>
+          <a:xfrm flipV="1">
+            <a:off x="8759077" y="3043855"/>
+            <a:ext cx="1093076" cy="836462"/>
+          </a:xfrm>
+          <a:prstGeom prst="straightConnector1">
+            <a:avLst/>
+          </a:prstGeom>
+          <a:ln>
+            <a:tailEnd type="triangle"/>
+          </a:ln>
+        </p:spPr>
+        <p:style>
+          <a:lnRef idx="3">
+            <a:schemeClr val="accent1"/>
+          </a:lnRef>
+          <a:fillRef idx="0">
+            <a:schemeClr val="accent1"/>
+          </a:fillRef>
+          <a:effectRef idx="2">
+            <a:schemeClr val="accent1"/>
+          </a:effectRef>
+          <a:fontRef idx="minor">
+            <a:schemeClr val="tx1"/>
+          </a:fontRef>
+        </p:style>
+      </p:cxnSp>
+      <p:sp>
+        <p:nvSpPr>
+          <p:cNvPr id="51" name="TextBox 50">
+            <a:extLst>
+              <a:ext uri="{FF2B5EF4-FFF2-40B4-BE49-F238E27FC236}">
+                <a16:creationId xmlns:a16="http://schemas.microsoft.com/office/drawing/2014/main" id="{2667BFCB-93CF-B674-167C-FF441C1B5081}"/>
+              </a:ext>
+            </a:extLst>
+          </p:cNvPr>
+          <p:cNvSpPr txBox="1"/>
+          <p:nvPr/>
+        </p:nvSpPr>
+        <p:spPr>
+          <a:xfrm>
+            <a:off x="6893363" y="2184661"/>
+            <a:ext cx="1545276" cy="646331"/>
+          </a:xfrm>
+          <a:prstGeom prst="rect">
+            <a:avLst/>
+          </a:prstGeom>
+        </p:spPr>
+        <p:style>
+          <a:lnRef idx="2">
+            <a:schemeClr val="accent1"/>
+          </a:lnRef>
+          <a:fillRef idx="1">
+            <a:schemeClr val="lt1"/>
+          </a:fillRef>
+          <a:effectRef idx="0">
+            <a:schemeClr val="accent1"/>
+          </a:effectRef>
+          <a:fontRef idx="minor">
+            <a:schemeClr val="dk1"/>
+          </a:fontRef>
+        </p:style>
+        <p:txBody>
+          <a:bodyPr wrap="square" rtlCol="0">
+            <a:spAutoFit/>
+          </a:bodyPr>
+          <a:lstStyle/>
+          <a:p>
+            <a:pPr marL="285750" indent="-285750">
+              <a:buFont typeface="Arial" panose="020B0604020202020204" pitchFamily="34" charset="0"/>
+              <a:buChar char="•"/>
+            </a:pPr>
+            <a:r>
+              <a:rPr kumimoji="1" lang="en-US" altLang="ko-Kore-KR" dirty="0"/>
+              <a:t>int size;</a:t>
+            </a:r>
+          </a:p>
+          <a:p>
+            <a:pPr marL="285750" indent="-285750">
+              <a:buFont typeface="Arial" panose="020B0604020202020204" pitchFamily="34" charset="0"/>
+              <a:buChar char="•"/>
+            </a:pPr>
+            <a:r>
+              <a:rPr kumimoji="1" lang="en-US" altLang="ko-Kore-KR" dirty="0"/>
+              <a:t>size(){}</a:t>
+            </a:r>
+          </a:p>
+        </p:txBody>
+      </p:sp>
+      <p:cxnSp>
+        <p:nvCxnSpPr>
+          <p:cNvPr id="52" name="직선 화살표 연결선 51">
+            <a:extLst>
+              <a:ext uri="{FF2B5EF4-FFF2-40B4-BE49-F238E27FC236}">
+                <a16:creationId xmlns:a16="http://schemas.microsoft.com/office/drawing/2014/main" id="{9F1D72C5-CBDC-329A-477E-53AA8192B899}"/>
+              </a:ext>
+            </a:extLst>
+          </p:cNvPr>
+          <p:cNvCxnSpPr>
+            <a:cxnSpLocks/>
+            <a:stCxn id="53" idx="3"/>
+            <a:endCxn id="51" idx="1"/>
+          </p:cNvCxnSpPr>
+          <p:nvPr/>
+        </p:nvCxnSpPr>
+        <p:spPr>
+          <a:xfrm>
+            <a:off x="5991083" y="2507827"/>
+            <a:ext cx="902280" cy="0"/>
+          </a:xfrm>
+          <a:prstGeom prst="straightConnector1">
+            <a:avLst/>
+          </a:prstGeom>
+          <a:ln>
+            <a:tailEnd type="triangle"/>
+          </a:ln>
+        </p:spPr>
+        <p:style>
+          <a:lnRef idx="2">
+            <a:schemeClr val="accent2"/>
+          </a:lnRef>
+          <a:fillRef idx="1">
+            <a:schemeClr val="lt1"/>
+          </a:fillRef>
+          <a:effectRef idx="0">
+            <a:schemeClr val="accent2"/>
+          </a:effectRef>
+          <a:fontRef idx="minor">
+            <a:schemeClr val="dk1"/>
+          </a:fontRef>
+        </p:style>
+      </p:cxnSp>
+      <p:sp>
+        <p:nvSpPr>
+          <p:cNvPr id="53" name="TextBox 52">
+            <a:extLst>
+              <a:ext uri="{FF2B5EF4-FFF2-40B4-BE49-F238E27FC236}">
+                <a16:creationId xmlns:a16="http://schemas.microsoft.com/office/drawing/2014/main" id="{0A3174DA-966A-6A61-78C6-F41A0E9A57F4}"/>
+              </a:ext>
+            </a:extLst>
+          </p:cNvPr>
+          <p:cNvSpPr txBox="1"/>
+          <p:nvPr/>
+        </p:nvSpPr>
+        <p:spPr>
+          <a:xfrm>
+            <a:off x="2399391" y="2046162"/>
+            <a:ext cx="3591692" cy="923330"/>
+          </a:xfrm>
+          <a:prstGeom prst="rect">
+            <a:avLst/>
+          </a:prstGeom>
+        </p:spPr>
+        <p:style>
+          <a:lnRef idx="2">
+            <a:schemeClr val="accent2"/>
+          </a:lnRef>
+          <a:fillRef idx="1">
+            <a:schemeClr val="lt1"/>
+          </a:fillRef>
+          <a:effectRef idx="0">
+            <a:schemeClr val="accent2"/>
+          </a:effectRef>
+          <a:fontRef idx="minor">
+            <a:schemeClr val="dk1"/>
+          </a:fontRef>
+        </p:style>
+        <p:txBody>
+          <a:bodyPr wrap="square" rtlCol="0">
+            <a:spAutoFit/>
+          </a:bodyPr>
+          <a:lstStyle/>
+          <a:p>
+            <a:r>
+              <a:rPr kumimoji="1" lang="ko-Kore-KR" altLang="en-US" dirty="0"/>
+              <a:t>인터페이스의</a:t>
+            </a:r>
+            <a:r>
+              <a:rPr kumimoji="1" lang="ko-KR" altLang="en-US" dirty="0"/>
+              <a:t> 메서드 중에서</a:t>
+            </a:r>
+            <a:endParaRPr kumimoji="1" lang="en-US" altLang="ko-KR" dirty="0"/>
+          </a:p>
+          <a:p>
+            <a:r>
+              <a:rPr kumimoji="1" lang="ko-KR" altLang="en-US" dirty="0"/>
+              <a:t>서브 클래스에 공통으로 물려줄</a:t>
+            </a:r>
+            <a:endParaRPr kumimoji="1" lang="en-US" altLang="ko-KR" dirty="0"/>
+          </a:p>
+          <a:p>
+            <a:r>
+              <a:rPr kumimoji="1" lang="ko-KR" altLang="en-US" dirty="0"/>
+              <a:t>메서드를 미리 구현한다</a:t>
+            </a:r>
+            <a:r>
+              <a:rPr kumimoji="1" lang="en-US" altLang="ko-KR" dirty="0"/>
+              <a:t>.</a:t>
+            </a:r>
+            <a:endParaRPr kumimoji="1" lang="en-US" altLang="ko-Kore-KR" dirty="0"/>
+          </a:p>
+        </p:txBody>
+      </p:sp>
+      <p:cxnSp>
+        <p:nvCxnSpPr>
+          <p:cNvPr id="59" name="직선 화살표 연결선 58">
+            <a:extLst>
+              <a:ext uri="{FF2B5EF4-FFF2-40B4-BE49-F238E27FC236}">
+                <a16:creationId xmlns:a16="http://schemas.microsoft.com/office/drawing/2014/main" id="{9A7F74CD-4B7A-4A21-6A45-168F5A586911}"/>
+              </a:ext>
+            </a:extLst>
+          </p:cNvPr>
+          <p:cNvCxnSpPr>
+            <a:cxnSpLocks/>
+            <a:stCxn id="60" idx="0"/>
+            <a:endCxn id="28" idx="2"/>
+          </p:cNvCxnSpPr>
+          <p:nvPr/>
+        </p:nvCxnSpPr>
+        <p:spPr>
+          <a:xfrm flipH="1" flipV="1">
+            <a:off x="8759077" y="4952372"/>
+            <a:ext cx="1172459" cy="726159"/>
+          </a:xfrm>
+          <a:prstGeom prst="straightConnector1">
+            <a:avLst/>
+          </a:prstGeom>
+          <a:ln>
+            <a:tailEnd type="triangle"/>
+          </a:ln>
+        </p:spPr>
+        <p:style>
+          <a:lnRef idx="2">
+            <a:schemeClr val="accent2"/>
+          </a:lnRef>
+          <a:fillRef idx="1">
+            <a:schemeClr val="lt1"/>
+          </a:fillRef>
+          <a:effectRef idx="0">
+            <a:schemeClr val="accent2"/>
+          </a:effectRef>
+          <a:fontRef idx="minor">
+            <a:schemeClr val="dk1"/>
+          </a:fontRef>
+        </p:style>
+      </p:cxnSp>
+      <p:sp>
+        <p:nvSpPr>
+          <p:cNvPr id="60" name="TextBox 59">
+            <a:extLst>
+              <a:ext uri="{FF2B5EF4-FFF2-40B4-BE49-F238E27FC236}">
+                <a16:creationId xmlns:a16="http://schemas.microsoft.com/office/drawing/2014/main" id="{034B91BA-6CB8-35B6-FAB7-6D6723E6397E}"/>
+              </a:ext>
+            </a:extLst>
+          </p:cNvPr>
+          <p:cNvSpPr txBox="1"/>
+          <p:nvPr/>
+        </p:nvSpPr>
+        <p:spPr>
+          <a:xfrm>
+            <a:off x="7855528" y="5678531"/>
+            <a:ext cx="4152015" cy="646331"/>
+          </a:xfrm>
+          <a:prstGeom prst="rect">
+            <a:avLst/>
+          </a:prstGeom>
+        </p:spPr>
+        <p:style>
+          <a:lnRef idx="2">
+            <a:schemeClr val="accent2"/>
+          </a:lnRef>
+          <a:fillRef idx="1">
+            <a:schemeClr val="lt1"/>
+          </a:fillRef>
+          <a:effectRef idx="0">
+            <a:schemeClr val="accent2"/>
+          </a:effectRef>
+          <a:fontRef idx="minor">
+            <a:schemeClr val="dk1"/>
+          </a:fontRef>
+        </p:style>
+        <p:txBody>
+          <a:bodyPr wrap="square" rtlCol="0">
+            <a:spAutoFit/>
+          </a:bodyPr>
+          <a:lstStyle/>
+          <a:p>
+            <a:r>
+              <a:rPr kumimoji="1" lang="en-US" altLang="ko-Kore-KR" dirty="0" err="1"/>
+              <a:t>AbstractList</a:t>
+            </a:r>
+            <a:r>
+              <a:rPr kumimoji="1" lang="ko-KR" altLang="en-US" dirty="0"/>
+              <a:t>에서 구현한 것을 제외한</a:t>
+            </a:r>
+            <a:r>
+              <a:rPr kumimoji="1" lang="en-US" altLang="ko-KR" dirty="0"/>
+              <a:t>,</a:t>
+            </a:r>
+          </a:p>
+          <a:p>
+            <a:r>
+              <a:rPr kumimoji="1" lang="en-US" altLang="ko-KR" dirty="0"/>
+              <a:t>List </a:t>
+            </a:r>
+            <a:r>
+              <a:rPr kumimoji="1" lang="ko-KR" altLang="en-US" dirty="0"/>
+              <a:t>인터페이스의 나머지 메서드 구현</a:t>
+            </a:r>
+            <a:endParaRPr kumimoji="1" lang="en-US" altLang="ko-Kore-KR" dirty="0"/>
+          </a:p>
+        </p:txBody>
+      </p:sp>
+      <p:cxnSp>
+        <p:nvCxnSpPr>
+          <p:cNvPr id="63" name="직선 화살표 연결선 62">
+            <a:extLst>
+              <a:ext uri="{FF2B5EF4-FFF2-40B4-BE49-F238E27FC236}">
+                <a16:creationId xmlns:a16="http://schemas.microsoft.com/office/drawing/2014/main" id="{2A370B60-2203-D173-0F47-3A2B7F427286}"/>
+              </a:ext>
+            </a:extLst>
+          </p:cNvPr>
+          <p:cNvCxnSpPr>
+            <a:cxnSpLocks/>
+            <a:stCxn id="60" idx="0"/>
+            <a:endCxn id="26" idx="2"/>
+          </p:cNvCxnSpPr>
+          <p:nvPr/>
+        </p:nvCxnSpPr>
+        <p:spPr>
+          <a:xfrm flipV="1">
+            <a:off x="9931536" y="4957477"/>
+            <a:ext cx="1093076" cy="721054"/>
+          </a:xfrm>
+          <a:prstGeom prst="straightConnector1">
+            <a:avLst/>
+          </a:prstGeom>
+          <a:ln>
+            <a:tailEnd type="triangle"/>
+          </a:ln>
+        </p:spPr>
+        <p:style>
+          <a:lnRef idx="2">
+            <a:schemeClr val="accent2"/>
+          </a:lnRef>
+          <a:fillRef idx="1">
+            <a:schemeClr val="lt1"/>
+          </a:fillRef>
+          <a:effectRef idx="0">
+            <a:schemeClr val="accent2"/>
+          </a:effectRef>
+          <a:fontRef idx="minor">
+            <a:schemeClr val="dk1"/>
+          </a:fontRef>
+        </p:style>
+      </p:cxnSp>
+    </p:spTree>
+    <p:extLst>
+      <p:ext uri="{BB962C8B-B14F-4D97-AF65-F5344CB8AC3E}">
+        <p14:creationId xmlns:p14="http://schemas.microsoft.com/office/powerpoint/2010/main" val="1986258448"/>
+      </p:ext>
+    </p:extLst>
+  </p:cSld>
+  <p:clrMapOvr>
+    <a:masterClrMapping/>
+  </p:clrMapOvr>
+</p:sld>
+</file>
+
+<file path=ppt/slides/slide5.xml><?xml version="1.0" encoding="utf-8"?>
+<p:sld xmlns:a="http://schemas.openxmlformats.org/drawingml/2006/main" xmlns:r="http://schemas.openxmlformats.org/officeDocument/2006/relationships" xmlns:p="http://schemas.openxmlformats.org/presentationml/2006/main">
+  <p:cSld>
+    <p:spTree>
+      <p:nvGrpSpPr>
+        <p:cNvPr id="1" name=""/>
+        <p:cNvGrpSpPr/>
+        <p:nvPr/>
+      </p:nvGrpSpPr>
+      <p:grpSpPr>
+        <a:xfrm>
+          <a:off x="0" y="0"/>
+          <a:ext cx="0" cy="0"/>
+          <a:chOff x="0" y="0"/>
+          <a:chExt cx="0" cy="0"/>
+        </a:xfrm>
+      </p:grpSpPr>
+      <p:sp>
+        <p:nvSpPr>
           <p:cNvPr id="5" name="직사각형 4">
             <a:extLst>
               <a:ext uri="{FF2B5EF4-FFF2-40B4-BE49-F238E27FC236}">
@@ -4418,6 +6927,1633 @@
     <p:extLst>
       <p:ext uri="{BB962C8B-B14F-4D97-AF65-F5344CB8AC3E}">
         <p14:creationId xmlns:p14="http://schemas.microsoft.com/office/powerpoint/2010/main" val="499515515"/>
+      </p:ext>
+    </p:extLst>
+  </p:cSld>
+  <p:clrMapOvr>
+    <a:masterClrMapping/>
+  </p:clrMapOvr>
+</p:sld>
+</file>
+
+<file path=ppt/slides/slide6.xml><?xml version="1.0" encoding="utf-8"?>
+<p:sld xmlns:a="http://schemas.openxmlformats.org/drawingml/2006/main" xmlns:r="http://schemas.openxmlformats.org/officeDocument/2006/relationships" xmlns:p="http://schemas.openxmlformats.org/presentationml/2006/main">
+  <p:cSld>
+    <p:spTree>
+      <p:nvGrpSpPr>
+        <p:cNvPr id="1" name=""/>
+        <p:cNvGrpSpPr/>
+        <p:nvPr/>
+      </p:nvGrpSpPr>
+      <p:grpSpPr>
+        <a:xfrm>
+          <a:off x="0" y="0"/>
+          <a:ext cx="0" cy="0"/>
+          <a:chOff x="0" y="0"/>
+          <a:chExt cx="0" cy="0"/>
+        </a:xfrm>
+      </p:grpSpPr>
+      <p:sp>
+        <p:nvSpPr>
+          <p:cNvPr id="5" name="직사각형 4">
+            <a:extLst>
+              <a:ext uri="{FF2B5EF4-FFF2-40B4-BE49-F238E27FC236}">
+                <a16:creationId xmlns:a16="http://schemas.microsoft.com/office/drawing/2014/main" id="{9310ACA1-DE0E-4E1C-ACA4-945A3B6FBD1A}"/>
+              </a:ext>
+            </a:extLst>
+          </p:cNvPr>
+          <p:cNvSpPr/>
+          <p:nvPr/>
+        </p:nvSpPr>
+        <p:spPr>
+          <a:xfrm>
+            <a:off x="2779986" y="1072055"/>
+            <a:ext cx="2186152" cy="1135118"/>
+          </a:xfrm>
+          <a:prstGeom prst="rect">
+            <a:avLst/>
+          </a:prstGeom>
+        </p:spPr>
+        <p:style>
+          <a:lnRef idx="2">
+            <a:schemeClr val="accent1">
+              <a:shade val="50000"/>
+            </a:schemeClr>
+          </a:lnRef>
+          <a:fillRef idx="1">
+            <a:schemeClr val="accent1"/>
+          </a:fillRef>
+          <a:effectRef idx="0">
+            <a:schemeClr val="accent1"/>
+          </a:effectRef>
+          <a:fontRef idx="minor">
+            <a:schemeClr val="lt1"/>
+          </a:fontRef>
+        </p:style>
+        <p:txBody>
+          <a:bodyPr rtlCol="0" anchor="ctr"/>
+          <a:lstStyle/>
+          <a:p>
+            <a:pPr algn="ctr"/>
+            <a:r>
+              <a:rPr kumimoji="1" lang="en-US" altLang="ko-Kore-KR" dirty="0"/>
+              <a:t>Stack</a:t>
+            </a:r>
+          </a:p>
+          <a:p>
+            <a:pPr algn="ctr"/>
+            <a:r>
+              <a:rPr kumimoji="1" lang="en-US" altLang="ko-Kore-KR" dirty="0"/>
+              <a:t>class</a:t>
+            </a:r>
+            <a:endParaRPr kumimoji="1" lang="ko-Kore-KR" altLang="en-US" dirty="0"/>
+          </a:p>
+        </p:txBody>
+      </p:sp>
+      <p:sp>
+        <p:nvSpPr>
+          <p:cNvPr id="10" name="직사각형 9">
+            <a:extLst>
+              <a:ext uri="{FF2B5EF4-FFF2-40B4-BE49-F238E27FC236}">
+                <a16:creationId xmlns:a16="http://schemas.microsoft.com/office/drawing/2014/main" id="{62AAE4F7-4F0B-81DB-D297-35693DED6847}"/>
+              </a:ext>
+            </a:extLst>
+          </p:cNvPr>
+          <p:cNvSpPr/>
+          <p:nvPr/>
+        </p:nvSpPr>
+        <p:spPr>
+          <a:xfrm>
+            <a:off x="5754413" y="1072055"/>
+            <a:ext cx="2349062" cy="1135118"/>
+          </a:xfrm>
+          <a:prstGeom prst="rect">
+            <a:avLst/>
+          </a:prstGeom>
+        </p:spPr>
+        <p:style>
+          <a:lnRef idx="2">
+            <a:schemeClr val="accent1">
+              <a:shade val="50000"/>
+            </a:schemeClr>
+          </a:lnRef>
+          <a:fillRef idx="1">
+            <a:schemeClr val="accent1"/>
+          </a:fillRef>
+          <a:effectRef idx="0">
+            <a:schemeClr val="accent1"/>
+          </a:effectRef>
+          <a:fontRef idx="minor">
+            <a:schemeClr val="lt1"/>
+          </a:fontRef>
+        </p:style>
+        <p:txBody>
+          <a:bodyPr rtlCol="0" anchor="ctr"/>
+          <a:lstStyle/>
+          <a:p>
+            <a:pPr algn="ctr"/>
+            <a:r>
+              <a:rPr kumimoji="1" lang="en-US" altLang="ko-Kore-KR" dirty="0"/>
+              <a:t>LinkedList</a:t>
+            </a:r>
+          </a:p>
+          <a:p>
+            <a:pPr algn="ctr"/>
+            <a:r>
+              <a:rPr kumimoji="1" lang="en-US" altLang="ko-Kore-KR" dirty="0"/>
+              <a:t>class</a:t>
+            </a:r>
+            <a:endParaRPr kumimoji="1" lang="ko-Kore-KR" altLang="en-US" dirty="0"/>
+          </a:p>
+        </p:txBody>
+      </p:sp>
+      <p:cxnSp>
+        <p:nvCxnSpPr>
+          <p:cNvPr id="19" name="직선 화살표 연결선 18">
+            <a:extLst>
+              <a:ext uri="{FF2B5EF4-FFF2-40B4-BE49-F238E27FC236}">
+                <a16:creationId xmlns:a16="http://schemas.microsoft.com/office/drawing/2014/main" id="{740A34E6-73C1-1FAA-6647-4E8BBD9E3C54}"/>
+              </a:ext>
+            </a:extLst>
+          </p:cNvPr>
+          <p:cNvCxnSpPr>
+            <a:cxnSpLocks/>
+            <a:stCxn id="5" idx="3"/>
+            <a:endCxn id="10" idx="1"/>
+          </p:cNvCxnSpPr>
+          <p:nvPr/>
+        </p:nvCxnSpPr>
+        <p:spPr>
+          <a:xfrm>
+            <a:off x="4966138" y="1639614"/>
+            <a:ext cx="788275" cy="0"/>
+          </a:xfrm>
+          <a:prstGeom prst="straightConnector1">
+            <a:avLst/>
+          </a:prstGeom>
+          <a:ln>
+            <a:tailEnd type="triangle"/>
+          </a:ln>
+        </p:spPr>
+        <p:style>
+          <a:lnRef idx="3">
+            <a:schemeClr val="accent1"/>
+          </a:lnRef>
+          <a:fillRef idx="0">
+            <a:schemeClr val="accent1"/>
+          </a:fillRef>
+          <a:effectRef idx="2">
+            <a:schemeClr val="accent1"/>
+          </a:effectRef>
+          <a:fontRef idx="minor">
+            <a:schemeClr val="tx1"/>
+          </a:fontRef>
+        </p:style>
+      </p:cxnSp>
+      <p:sp>
+        <p:nvSpPr>
+          <p:cNvPr id="2" name="TextBox 1">
+            <a:extLst>
+              <a:ext uri="{FF2B5EF4-FFF2-40B4-BE49-F238E27FC236}">
+                <a16:creationId xmlns:a16="http://schemas.microsoft.com/office/drawing/2014/main" id="{832783B5-97B9-6D3B-882E-19928C171A64}"/>
+              </a:ext>
+            </a:extLst>
+          </p:cNvPr>
+          <p:cNvSpPr txBox="1"/>
+          <p:nvPr/>
+        </p:nvSpPr>
+        <p:spPr>
+          <a:xfrm>
+            <a:off x="2779986" y="2905877"/>
+            <a:ext cx="2186152" cy="646331"/>
+          </a:xfrm>
+          <a:prstGeom prst="rect">
+            <a:avLst/>
+          </a:prstGeom>
+        </p:spPr>
+        <p:style>
+          <a:lnRef idx="2">
+            <a:schemeClr val="accent1"/>
+          </a:lnRef>
+          <a:fillRef idx="1">
+            <a:schemeClr val="lt1"/>
+          </a:fillRef>
+          <a:effectRef idx="0">
+            <a:schemeClr val="accent1"/>
+          </a:effectRef>
+          <a:fontRef idx="minor">
+            <a:schemeClr val="dk1"/>
+          </a:fontRef>
+        </p:style>
+        <p:txBody>
+          <a:bodyPr wrap="square" rtlCol="0">
+            <a:spAutoFit/>
+          </a:bodyPr>
+          <a:lstStyle/>
+          <a:p>
+            <a:pPr marL="285750" indent="-285750">
+              <a:buFont typeface="Arial" panose="020B0604020202020204" pitchFamily="34" charset="0"/>
+              <a:buChar char="•"/>
+            </a:pPr>
+            <a:r>
+              <a:rPr kumimoji="1" lang="en-US" altLang="ko-KR" dirty="0"/>
+              <a:t>push()</a:t>
+            </a:r>
+          </a:p>
+          <a:p>
+            <a:pPr marL="285750" indent="-285750">
+              <a:buFont typeface="Arial" panose="020B0604020202020204" pitchFamily="34" charset="0"/>
+              <a:buChar char="•"/>
+            </a:pPr>
+            <a:r>
+              <a:rPr kumimoji="1" lang="en-US" altLang="ko-Kore-KR" dirty="0"/>
+              <a:t>pop()</a:t>
+            </a:r>
+          </a:p>
+        </p:txBody>
+      </p:sp>
+      <p:sp>
+        <p:nvSpPr>
+          <p:cNvPr id="9" name="TextBox 8">
+            <a:extLst>
+              <a:ext uri="{FF2B5EF4-FFF2-40B4-BE49-F238E27FC236}">
+                <a16:creationId xmlns:a16="http://schemas.microsoft.com/office/drawing/2014/main" id="{ED025236-608E-E7AC-E71F-7108FFD393F6}"/>
+              </a:ext>
+            </a:extLst>
+          </p:cNvPr>
+          <p:cNvSpPr txBox="1"/>
+          <p:nvPr/>
+        </p:nvSpPr>
+        <p:spPr>
+          <a:xfrm>
+            <a:off x="5754413" y="2905877"/>
+            <a:ext cx="2186152" cy="646331"/>
+          </a:xfrm>
+          <a:prstGeom prst="rect">
+            <a:avLst/>
+          </a:prstGeom>
+        </p:spPr>
+        <p:style>
+          <a:lnRef idx="2">
+            <a:schemeClr val="accent1"/>
+          </a:lnRef>
+          <a:fillRef idx="1">
+            <a:schemeClr val="lt1"/>
+          </a:fillRef>
+          <a:effectRef idx="0">
+            <a:schemeClr val="accent1"/>
+          </a:effectRef>
+          <a:fontRef idx="minor">
+            <a:schemeClr val="dk1"/>
+          </a:fontRef>
+        </p:style>
+        <p:txBody>
+          <a:bodyPr wrap="square" rtlCol="0">
+            <a:spAutoFit/>
+          </a:bodyPr>
+          <a:lstStyle/>
+          <a:p>
+            <a:pPr marL="285750" indent="-285750">
+              <a:buFont typeface="Arial" panose="020B0604020202020204" pitchFamily="34" charset="0"/>
+              <a:buChar char="•"/>
+            </a:pPr>
+            <a:r>
+              <a:rPr kumimoji="1" lang="en-US" altLang="ko-KR" dirty="0"/>
+              <a:t>add()</a:t>
+            </a:r>
+          </a:p>
+          <a:p>
+            <a:pPr marL="285750" indent="-285750">
+              <a:buFont typeface="Arial" panose="020B0604020202020204" pitchFamily="34" charset="0"/>
+              <a:buChar char="•"/>
+            </a:pPr>
+            <a:r>
+              <a:rPr kumimoji="1" lang="en-US" altLang="ko-Kore-KR" dirty="0"/>
+              <a:t>remove()</a:t>
+            </a:r>
+          </a:p>
+        </p:txBody>
+      </p:sp>
+      <p:cxnSp>
+        <p:nvCxnSpPr>
+          <p:cNvPr id="11" name="직선 화살표 연결선 10">
+            <a:extLst>
+              <a:ext uri="{FF2B5EF4-FFF2-40B4-BE49-F238E27FC236}">
+                <a16:creationId xmlns:a16="http://schemas.microsoft.com/office/drawing/2014/main" id="{88675960-3BF2-54C0-A3B3-77E9E67B7927}"/>
+              </a:ext>
+            </a:extLst>
+          </p:cNvPr>
+          <p:cNvCxnSpPr>
+            <a:cxnSpLocks/>
+            <a:stCxn id="2" idx="3"/>
+            <a:endCxn id="9" idx="1"/>
+          </p:cNvCxnSpPr>
+          <p:nvPr/>
+        </p:nvCxnSpPr>
+        <p:spPr>
+          <a:xfrm>
+            <a:off x="4966138" y="3229043"/>
+            <a:ext cx="788275" cy="0"/>
+          </a:xfrm>
+          <a:prstGeom prst="straightConnector1">
+            <a:avLst/>
+          </a:prstGeom>
+          <a:ln>
+            <a:tailEnd type="triangle"/>
+          </a:ln>
+        </p:spPr>
+        <p:style>
+          <a:lnRef idx="3">
+            <a:schemeClr val="accent1"/>
+          </a:lnRef>
+          <a:fillRef idx="0">
+            <a:schemeClr val="accent1"/>
+          </a:fillRef>
+          <a:effectRef idx="2">
+            <a:schemeClr val="accent1"/>
+          </a:effectRef>
+          <a:fontRef idx="minor">
+            <a:schemeClr val="tx1"/>
+          </a:fontRef>
+        </p:style>
+      </p:cxnSp>
+      <p:sp>
+        <p:nvSpPr>
+          <p:cNvPr id="15" name="TextBox 14">
+            <a:extLst>
+              <a:ext uri="{FF2B5EF4-FFF2-40B4-BE49-F238E27FC236}">
+                <a16:creationId xmlns:a16="http://schemas.microsoft.com/office/drawing/2014/main" id="{7285BA7F-C2EC-9E63-D128-50C82C1E1E3C}"/>
+              </a:ext>
+            </a:extLst>
+          </p:cNvPr>
+          <p:cNvSpPr txBox="1"/>
+          <p:nvPr/>
+        </p:nvSpPr>
+        <p:spPr>
+          <a:xfrm>
+            <a:off x="5004996" y="2817221"/>
+            <a:ext cx="759853" cy="369332"/>
+          </a:xfrm>
+          <a:prstGeom prst="rect">
+            <a:avLst/>
+          </a:prstGeom>
+          <a:noFill/>
+        </p:spPr>
+        <p:txBody>
+          <a:bodyPr wrap="square" rtlCol="0">
+            <a:spAutoFit/>
+          </a:bodyPr>
+          <a:lstStyle/>
+          <a:p>
+            <a:r>
+              <a:rPr kumimoji="1" lang="ko-Kore-KR" altLang="en-US" dirty="0">
+                <a:solidFill>
+                  <a:srgbClr val="FF0000"/>
+                </a:solidFill>
+              </a:rPr>
+              <a:t>호출</a:t>
+            </a:r>
+          </a:p>
+        </p:txBody>
+      </p:sp>
+    </p:spTree>
+    <p:extLst>
+      <p:ext uri="{BB962C8B-B14F-4D97-AF65-F5344CB8AC3E}">
+        <p14:creationId xmlns:p14="http://schemas.microsoft.com/office/powerpoint/2010/main" val="2389268134"/>
+      </p:ext>
+    </p:extLst>
+  </p:cSld>
+  <p:clrMapOvr>
+    <a:masterClrMapping/>
+  </p:clrMapOvr>
+</p:sld>
+</file>
+
+<file path=ppt/slides/slide7.xml><?xml version="1.0" encoding="utf-8"?>
+<p:sld xmlns:a="http://schemas.openxmlformats.org/drawingml/2006/main" xmlns:r="http://schemas.openxmlformats.org/officeDocument/2006/relationships" xmlns:p="http://schemas.openxmlformats.org/presentationml/2006/main">
+  <p:cSld>
+    <p:spTree>
+      <p:nvGrpSpPr>
+        <p:cNvPr id="1" name=""/>
+        <p:cNvGrpSpPr/>
+        <p:nvPr/>
+      </p:nvGrpSpPr>
+      <p:grpSpPr>
+        <a:xfrm>
+          <a:off x="0" y="0"/>
+          <a:ext cx="0" cy="0"/>
+          <a:chOff x="0" y="0"/>
+          <a:chExt cx="0" cy="0"/>
+        </a:xfrm>
+      </p:grpSpPr>
+      <p:sp>
+        <p:nvSpPr>
+          <p:cNvPr id="2" name="직사각형 1">
+            <a:extLst>
+              <a:ext uri="{FF2B5EF4-FFF2-40B4-BE49-F238E27FC236}">
+                <a16:creationId xmlns:a16="http://schemas.microsoft.com/office/drawing/2014/main" id="{01CA0D7D-5EDB-0FF9-8973-AA1A5206BCDC}"/>
+              </a:ext>
+            </a:extLst>
+          </p:cNvPr>
+          <p:cNvSpPr/>
+          <p:nvPr/>
+        </p:nvSpPr>
+        <p:spPr>
+          <a:xfrm>
+            <a:off x="80436" y="2825503"/>
+            <a:ext cx="1324304" cy="1072055"/>
+          </a:xfrm>
+          <a:prstGeom prst="rect">
+            <a:avLst/>
+          </a:prstGeom>
+        </p:spPr>
+        <p:style>
+          <a:lnRef idx="2">
+            <a:schemeClr val="accent1">
+              <a:shade val="50000"/>
+            </a:schemeClr>
+          </a:lnRef>
+          <a:fillRef idx="1">
+            <a:schemeClr val="accent1"/>
+          </a:fillRef>
+          <a:effectRef idx="0">
+            <a:schemeClr val="accent1"/>
+          </a:effectRef>
+          <a:fontRef idx="minor">
+            <a:schemeClr val="lt1"/>
+          </a:fontRef>
+        </p:style>
+        <p:txBody>
+          <a:bodyPr rtlCol="0" anchor="ctr"/>
+          <a:lstStyle/>
+          <a:p>
+            <a:pPr algn="ctr"/>
+            <a:r>
+              <a:rPr kumimoji="1" lang="en-US" altLang="ko-Kore-KR" dirty="0"/>
+              <a:t>App</a:t>
+            </a:r>
+          </a:p>
+          <a:p>
+            <a:pPr algn="ctr"/>
+            <a:r>
+              <a:rPr kumimoji="1" lang="en-US" altLang="ko-Kore-KR" dirty="0"/>
+              <a:t>class</a:t>
+            </a:r>
+            <a:endParaRPr kumimoji="1" lang="ko-Kore-KR" altLang="en-US" dirty="0"/>
+          </a:p>
+        </p:txBody>
+      </p:sp>
+      <p:sp>
+        <p:nvSpPr>
+          <p:cNvPr id="9" name="직사각형 8">
+            <a:extLst>
+              <a:ext uri="{FF2B5EF4-FFF2-40B4-BE49-F238E27FC236}">
+                <a16:creationId xmlns:a16="http://schemas.microsoft.com/office/drawing/2014/main" id="{440E7F1B-8FEC-C5DF-68F0-A4A0DE25C1EA}"/>
+              </a:ext>
+            </a:extLst>
+          </p:cNvPr>
+          <p:cNvSpPr/>
+          <p:nvPr/>
+        </p:nvSpPr>
+        <p:spPr>
+          <a:xfrm>
+            <a:off x="2066892" y="411007"/>
+            <a:ext cx="2186152" cy="1072055"/>
+          </a:xfrm>
+          <a:prstGeom prst="rect">
+            <a:avLst/>
+          </a:prstGeom>
+        </p:spPr>
+        <p:style>
+          <a:lnRef idx="2">
+            <a:schemeClr val="accent1">
+              <a:shade val="50000"/>
+            </a:schemeClr>
+          </a:lnRef>
+          <a:fillRef idx="1">
+            <a:schemeClr val="accent1"/>
+          </a:fillRef>
+          <a:effectRef idx="0">
+            <a:schemeClr val="accent1"/>
+          </a:effectRef>
+          <a:fontRef idx="minor">
+            <a:schemeClr val="lt1"/>
+          </a:fontRef>
+        </p:style>
+        <p:txBody>
+          <a:bodyPr rtlCol="0" anchor="ctr"/>
+          <a:lstStyle/>
+          <a:p>
+            <a:pPr algn="ctr"/>
+            <a:r>
+              <a:rPr kumimoji="1" lang="en-US" altLang="ko-Kore-KR" dirty="0"/>
+              <a:t>&lt;&lt;Concrete&gt;&gt;</a:t>
+            </a:r>
+          </a:p>
+          <a:p>
+            <a:pPr algn="ctr"/>
+            <a:r>
+              <a:rPr kumimoji="1" lang="en-US" altLang="ko-Kore-KR" dirty="0" err="1"/>
+              <a:t>BoardHandler</a:t>
+            </a:r>
+            <a:endParaRPr kumimoji="1" lang="en-US" altLang="ko-Kore-KR" dirty="0"/>
+          </a:p>
+          <a:p>
+            <a:pPr algn="ctr"/>
+            <a:r>
+              <a:rPr kumimoji="1" lang="en-US" altLang="ko-Kore-KR" dirty="0"/>
+              <a:t>class</a:t>
+            </a:r>
+            <a:endParaRPr kumimoji="1" lang="ko-Kore-KR" altLang="en-US" dirty="0"/>
+          </a:p>
+        </p:txBody>
+      </p:sp>
+      <p:cxnSp>
+        <p:nvCxnSpPr>
+          <p:cNvPr id="11" name="직선 화살표 연결선 10">
+            <a:extLst>
+              <a:ext uri="{FF2B5EF4-FFF2-40B4-BE49-F238E27FC236}">
+                <a16:creationId xmlns:a16="http://schemas.microsoft.com/office/drawing/2014/main" id="{8AB7B69B-0DE7-B72F-2F3A-A7E4F62EAA73}"/>
+              </a:ext>
+            </a:extLst>
+          </p:cNvPr>
+          <p:cNvCxnSpPr>
+            <a:cxnSpLocks/>
+            <a:stCxn id="2" idx="3"/>
+            <a:endCxn id="9" idx="1"/>
+          </p:cNvCxnSpPr>
+          <p:nvPr/>
+        </p:nvCxnSpPr>
+        <p:spPr>
+          <a:xfrm flipV="1">
+            <a:off x="1404740" y="947035"/>
+            <a:ext cx="662152" cy="2414496"/>
+          </a:xfrm>
+          <a:prstGeom prst="straightConnector1">
+            <a:avLst/>
+          </a:prstGeom>
+          <a:ln>
+            <a:tailEnd type="triangle"/>
+          </a:ln>
+        </p:spPr>
+        <p:style>
+          <a:lnRef idx="3">
+            <a:schemeClr val="accent1"/>
+          </a:lnRef>
+          <a:fillRef idx="0">
+            <a:schemeClr val="accent1"/>
+          </a:fillRef>
+          <a:effectRef idx="2">
+            <a:schemeClr val="accent1"/>
+          </a:effectRef>
+          <a:fontRef idx="minor">
+            <a:schemeClr val="tx1"/>
+          </a:fontRef>
+        </p:style>
+      </p:cxnSp>
+      <p:sp>
+        <p:nvSpPr>
+          <p:cNvPr id="15" name="직사각형 14">
+            <a:extLst>
+              <a:ext uri="{FF2B5EF4-FFF2-40B4-BE49-F238E27FC236}">
+                <a16:creationId xmlns:a16="http://schemas.microsoft.com/office/drawing/2014/main" id="{69DC84EC-5B76-671D-9EA5-A6A8DF098DC7}"/>
+              </a:ext>
+            </a:extLst>
+          </p:cNvPr>
+          <p:cNvSpPr/>
+          <p:nvPr/>
+        </p:nvSpPr>
+        <p:spPr>
+          <a:xfrm>
+            <a:off x="4933311" y="411007"/>
+            <a:ext cx="2186152" cy="1072055"/>
+          </a:xfrm>
+          <a:prstGeom prst="rect">
+            <a:avLst/>
+          </a:prstGeom>
+        </p:spPr>
+        <p:style>
+          <a:lnRef idx="2">
+            <a:schemeClr val="accent1">
+              <a:shade val="50000"/>
+            </a:schemeClr>
+          </a:lnRef>
+          <a:fillRef idx="1">
+            <a:schemeClr val="accent1"/>
+          </a:fillRef>
+          <a:effectRef idx="0">
+            <a:schemeClr val="accent1"/>
+          </a:effectRef>
+          <a:fontRef idx="minor">
+            <a:schemeClr val="lt1"/>
+          </a:fontRef>
+        </p:style>
+        <p:txBody>
+          <a:bodyPr rtlCol="0" anchor="ctr"/>
+          <a:lstStyle/>
+          <a:p>
+            <a:pPr algn="ctr"/>
+            <a:r>
+              <a:rPr kumimoji="1" lang="en-US" altLang="ko-Kore-KR" dirty="0" err="1"/>
+              <a:t>BoardDao</a:t>
+            </a:r>
+            <a:endParaRPr kumimoji="1" lang="en-US" altLang="ko-Kore-KR" dirty="0"/>
+          </a:p>
+          <a:p>
+            <a:pPr algn="ctr"/>
+            <a:r>
+              <a:rPr kumimoji="1" lang="en-US" altLang="ko-Kore-KR" dirty="0"/>
+              <a:t>class</a:t>
+            </a:r>
+            <a:endParaRPr kumimoji="1" lang="ko-Kore-KR" altLang="en-US" dirty="0"/>
+          </a:p>
+        </p:txBody>
+      </p:sp>
+      <p:cxnSp>
+        <p:nvCxnSpPr>
+          <p:cNvPr id="16" name="직선 화살표 연결선 15">
+            <a:extLst>
+              <a:ext uri="{FF2B5EF4-FFF2-40B4-BE49-F238E27FC236}">
+                <a16:creationId xmlns:a16="http://schemas.microsoft.com/office/drawing/2014/main" id="{247224D6-4BAB-98C0-8B10-7323A3F184CC}"/>
+              </a:ext>
+            </a:extLst>
+          </p:cNvPr>
+          <p:cNvCxnSpPr>
+            <a:cxnSpLocks/>
+            <a:stCxn id="9" idx="3"/>
+            <a:endCxn id="15" idx="1"/>
+          </p:cNvCxnSpPr>
+          <p:nvPr/>
+        </p:nvCxnSpPr>
+        <p:spPr>
+          <a:xfrm>
+            <a:off x="4253044" y="947035"/>
+            <a:ext cx="680267" cy="0"/>
+          </a:xfrm>
+          <a:prstGeom prst="straightConnector1">
+            <a:avLst/>
+          </a:prstGeom>
+          <a:ln>
+            <a:tailEnd type="triangle"/>
+          </a:ln>
+        </p:spPr>
+        <p:style>
+          <a:lnRef idx="3">
+            <a:schemeClr val="accent1"/>
+          </a:lnRef>
+          <a:fillRef idx="0">
+            <a:schemeClr val="accent1"/>
+          </a:fillRef>
+          <a:effectRef idx="2">
+            <a:schemeClr val="accent1"/>
+          </a:effectRef>
+          <a:fontRef idx="minor">
+            <a:schemeClr val="tx1"/>
+          </a:fontRef>
+        </p:style>
+      </p:cxnSp>
+      <p:sp>
+        <p:nvSpPr>
+          <p:cNvPr id="20" name="직사각형 19">
+            <a:extLst>
+              <a:ext uri="{FF2B5EF4-FFF2-40B4-BE49-F238E27FC236}">
+                <a16:creationId xmlns:a16="http://schemas.microsoft.com/office/drawing/2014/main" id="{A5D91493-3D40-5959-F45E-27828396AB97}"/>
+              </a:ext>
+            </a:extLst>
+          </p:cNvPr>
+          <p:cNvSpPr/>
+          <p:nvPr/>
+        </p:nvSpPr>
+        <p:spPr>
+          <a:xfrm>
+            <a:off x="8759077" y="363716"/>
+            <a:ext cx="2186152" cy="1072055"/>
+          </a:xfrm>
+          <a:prstGeom prst="rect">
+            <a:avLst/>
+          </a:prstGeom>
+        </p:spPr>
+        <p:style>
+          <a:lnRef idx="2">
+            <a:schemeClr val="accent1">
+              <a:shade val="50000"/>
+            </a:schemeClr>
+          </a:lnRef>
+          <a:fillRef idx="1">
+            <a:schemeClr val="accent1"/>
+          </a:fillRef>
+          <a:effectRef idx="0">
+            <a:schemeClr val="accent1"/>
+          </a:effectRef>
+          <a:fontRef idx="minor">
+            <a:schemeClr val="lt1"/>
+          </a:fontRef>
+        </p:style>
+        <p:txBody>
+          <a:bodyPr rtlCol="0" anchor="ctr"/>
+          <a:lstStyle/>
+          <a:p>
+            <a:pPr algn="ctr"/>
+            <a:r>
+              <a:rPr kumimoji="1" lang="en-US" altLang="ko-Kore-KR" dirty="0"/>
+              <a:t>&lt;&lt;Interface&gt;&gt;</a:t>
+            </a:r>
+          </a:p>
+          <a:p>
+            <a:pPr algn="ctr"/>
+            <a:r>
+              <a:rPr kumimoji="1" lang="en-US" altLang="ko-Kore-KR" dirty="0"/>
+              <a:t>List</a:t>
+            </a:r>
+            <a:endParaRPr kumimoji="1" lang="ko-Kore-KR" altLang="en-US" dirty="0"/>
+          </a:p>
+        </p:txBody>
+      </p:sp>
+      <p:cxnSp>
+        <p:nvCxnSpPr>
+          <p:cNvPr id="21" name="직선 화살표 연결선 20">
+            <a:extLst>
+              <a:ext uri="{FF2B5EF4-FFF2-40B4-BE49-F238E27FC236}">
+                <a16:creationId xmlns:a16="http://schemas.microsoft.com/office/drawing/2014/main" id="{B462A973-7519-A8A8-FCE8-3A02F897B323}"/>
+              </a:ext>
+            </a:extLst>
+          </p:cNvPr>
+          <p:cNvCxnSpPr>
+            <a:cxnSpLocks/>
+            <a:stCxn id="15" idx="3"/>
+            <a:endCxn id="28" idx="1"/>
+          </p:cNvCxnSpPr>
+          <p:nvPr/>
+        </p:nvCxnSpPr>
+        <p:spPr>
+          <a:xfrm>
+            <a:off x="7119463" y="947035"/>
+            <a:ext cx="546538" cy="3469310"/>
+          </a:xfrm>
+          <a:prstGeom prst="straightConnector1">
+            <a:avLst/>
+          </a:prstGeom>
+          <a:ln>
+            <a:tailEnd type="triangle"/>
+          </a:ln>
+        </p:spPr>
+        <p:style>
+          <a:lnRef idx="3">
+            <a:schemeClr val="accent1"/>
+          </a:lnRef>
+          <a:fillRef idx="0">
+            <a:schemeClr val="accent1"/>
+          </a:fillRef>
+          <a:effectRef idx="2">
+            <a:schemeClr val="accent1"/>
+          </a:effectRef>
+          <a:fontRef idx="minor">
+            <a:schemeClr val="tx1"/>
+          </a:fontRef>
+        </p:style>
+      </p:cxnSp>
+      <p:sp>
+        <p:nvSpPr>
+          <p:cNvPr id="25" name="직사각형 24">
+            <a:extLst>
+              <a:ext uri="{FF2B5EF4-FFF2-40B4-BE49-F238E27FC236}">
+                <a16:creationId xmlns:a16="http://schemas.microsoft.com/office/drawing/2014/main" id="{AA843219-B5B5-D6ED-4ED9-900121BB2A5B}"/>
+              </a:ext>
+            </a:extLst>
+          </p:cNvPr>
+          <p:cNvSpPr/>
+          <p:nvPr/>
+        </p:nvSpPr>
+        <p:spPr>
+          <a:xfrm>
+            <a:off x="8759077" y="1971800"/>
+            <a:ext cx="2186152" cy="1072055"/>
+          </a:xfrm>
+          <a:prstGeom prst="rect">
+            <a:avLst/>
+          </a:prstGeom>
+        </p:spPr>
+        <p:style>
+          <a:lnRef idx="2">
+            <a:schemeClr val="accent1">
+              <a:shade val="50000"/>
+            </a:schemeClr>
+          </a:lnRef>
+          <a:fillRef idx="1">
+            <a:schemeClr val="accent1"/>
+          </a:fillRef>
+          <a:effectRef idx="0">
+            <a:schemeClr val="accent1"/>
+          </a:effectRef>
+          <a:fontRef idx="minor">
+            <a:schemeClr val="lt1"/>
+          </a:fontRef>
+        </p:style>
+        <p:txBody>
+          <a:bodyPr rtlCol="0" anchor="ctr"/>
+          <a:lstStyle/>
+          <a:p>
+            <a:pPr algn="ctr"/>
+            <a:r>
+              <a:rPr kumimoji="1" lang="en-US" altLang="ko-Kore-KR" dirty="0" err="1"/>
+              <a:t>AbstractList</a:t>
+            </a:r>
+            <a:endParaRPr kumimoji="1" lang="en-US" altLang="ko-Kore-KR" dirty="0"/>
+          </a:p>
+          <a:p>
+            <a:pPr algn="ctr"/>
+            <a:r>
+              <a:rPr kumimoji="1" lang="en-US" altLang="ko-Kore-KR" dirty="0"/>
+              <a:t>class</a:t>
+            </a:r>
+            <a:endParaRPr kumimoji="1" lang="ko-Kore-KR" altLang="en-US" dirty="0"/>
+          </a:p>
+        </p:txBody>
+      </p:sp>
+      <p:sp>
+        <p:nvSpPr>
+          <p:cNvPr id="26" name="직사각형 25">
+            <a:extLst>
+              <a:ext uri="{FF2B5EF4-FFF2-40B4-BE49-F238E27FC236}">
+                <a16:creationId xmlns:a16="http://schemas.microsoft.com/office/drawing/2014/main" id="{B6A2C458-B2EF-A010-713F-608E65465688}"/>
+              </a:ext>
+            </a:extLst>
+          </p:cNvPr>
+          <p:cNvSpPr/>
+          <p:nvPr/>
+        </p:nvSpPr>
+        <p:spPr>
+          <a:xfrm>
+            <a:off x="9931536" y="3885422"/>
+            <a:ext cx="2186152" cy="1072055"/>
+          </a:xfrm>
+          <a:prstGeom prst="rect">
+            <a:avLst/>
+          </a:prstGeom>
+        </p:spPr>
+        <p:style>
+          <a:lnRef idx="2">
+            <a:schemeClr val="accent1">
+              <a:shade val="50000"/>
+            </a:schemeClr>
+          </a:lnRef>
+          <a:fillRef idx="1">
+            <a:schemeClr val="accent1"/>
+          </a:fillRef>
+          <a:effectRef idx="0">
+            <a:schemeClr val="accent1"/>
+          </a:effectRef>
+          <a:fontRef idx="minor">
+            <a:schemeClr val="lt1"/>
+          </a:fontRef>
+        </p:style>
+        <p:txBody>
+          <a:bodyPr rtlCol="0" anchor="ctr"/>
+          <a:lstStyle/>
+          <a:p>
+            <a:pPr algn="ctr"/>
+            <a:r>
+              <a:rPr kumimoji="1" lang="en-US" altLang="ko-Kore-KR" dirty="0" err="1"/>
+              <a:t>ObjectList</a:t>
+            </a:r>
+            <a:endParaRPr kumimoji="1" lang="ko-Kore-KR" altLang="en-US" dirty="0"/>
+          </a:p>
+        </p:txBody>
+      </p:sp>
+      <p:sp>
+        <p:nvSpPr>
+          <p:cNvPr id="28" name="직사각형 27">
+            <a:extLst>
+              <a:ext uri="{FF2B5EF4-FFF2-40B4-BE49-F238E27FC236}">
+                <a16:creationId xmlns:a16="http://schemas.microsoft.com/office/drawing/2014/main" id="{AE36AB7C-DF80-4421-7E6A-2E168B3DEBED}"/>
+              </a:ext>
+            </a:extLst>
+          </p:cNvPr>
+          <p:cNvSpPr/>
+          <p:nvPr/>
+        </p:nvSpPr>
+        <p:spPr>
+          <a:xfrm>
+            <a:off x="7666001" y="3880317"/>
+            <a:ext cx="2186152" cy="1072055"/>
+          </a:xfrm>
+          <a:prstGeom prst="rect">
+            <a:avLst/>
+          </a:prstGeom>
+        </p:spPr>
+        <p:style>
+          <a:lnRef idx="2">
+            <a:schemeClr val="accent1">
+              <a:shade val="50000"/>
+            </a:schemeClr>
+          </a:lnRef>
+          <a:fillRef idx="1">
+            <a:schemeClr val="accent1"/>
+          </a:fillRef>
+          <a:effectRef idx="0">
+            <a:schemeClr val="accent1"/>
+          </a:effectRef>
+          <a:fontRef idx="minor">
+            <a:schemeClr val="lt1"/>
+          </a:fontRef>
+        </p:style>
+        <p:txBody>
+          <a:bodyPr rtlCol="0" anchor="ctr"/>
+          <a:lstStyle/>
+          <a:p>
+            <a:pPr algn="ctr"/>
+            <a:r>
+              <a:rPr kumimoji="1" lang="en-US" altLang="ko-Kore-KR" dirty="0"/>
+              <a:t>LinkedList</a:t>
+            </a:r>
+            <a:endParaRPr kumimoji="1" lang="ko-Kore-KR" altLang="en-US" dirty="0"/>
+          </a:p>
+        </p:txBody>
+      </p:sp>
+      <p:cxnSp>
+        <p:nvCxnSpPr>
+          <p:cNvPr id="32" name="직선 화살표 연결선 31">
+            <a:extLst>
+              <a:ext uri="{FF2B5EF4-FFF2-40B4-BE49-F238E27FC236}">
+                <a16:creationId xmlns:a16="http://schemas.microsoft.com/office/drawing/2014/main" id="{A17D4700-9BAC-0B87-DD68-51C04FA272DF}"/>
+              </a:ext>
+            </a:extLst>
+          </p:cNvPr>
+          <p:cNvCxnSpPr>
+            <a:cxnSpLocks/>
+            <a:stCxn id="25" idx="0"/>
+            <a:endCxn id="20" idx="2"/>
+          </p:cNvCxnSpPr>
+          <p:nvPr/>
+        </p:nvCxnSpPr>
+        <p:spPr>
+          <a:xfrm flipV="1">
+            <a:off x="9852153" y="1435771"/>
+            <a:ext cx="0" cy="536029"/>
+          </a:xfrm>
+          <a:prstGeom prst="straightConnector1">
+            <a:avLst/>
+          </a:prstGeom>
+          <a:ln w="9525" cap="flat" cmpd="sng" algn="ctr">
+            <a:solidFill>
+              <a:schemeClr val="accent1"/>
+            </a:solidFill>
+            <a:prstDash val="dash"/>
+            <a:round/>
+            <a:headEnd type="none" w="med" len="med"/>
+            <a:tailEnd type="none" w="med" len="med"/>
+          </a:ln>
+        </p:spPr>
+        <p:style>
+          <a:lnRef idx="0">
+            <a:scrgbClr r="0" g="0" b="0"/>
+          </a:lnRef>
+          <a:fillRef idx="0">
+            <a:scrgbClr r="0" g="0" b="0"/>
+          </a:fillRef>
+          <a:effectRef idx="0">
+            <a:scrgbClr r="0" g="0" b="0"/>
+          </a:effectRef>
+          <a:fontRef idx="minor">
+            <a:schemeClr val="tx1"/>
+          </a:fontRef>
+        </p:style>
+      </p:cxnSp>
+      <p:sp>
+        <p:nvSpPr>
+          <p:cNvPr id="36" name="삼각형 35">
+            <a:extLst>
+              <a:ext uri="{FF2B5EF4-FFF2-40B4-BE49-F238E27FC236}">
+                <a16:creationId xmlns:a16="http://schemas.microsoft.com/office/drawing/2014/main" id="{D89647EE-DBA6-34E6-E991-9414BC135FAB}"/>
+              </a:ext>
+            </a:extLst>
+          </p:cNvPr>
+          <p:cNvSpPr/>
+          <p:nvPr/>
+        </p:nvSpPr>
+        <p:spPr>
+          <a:xfrm>
+            <a:off x="9761519" y="1459424"/>
+            <a:ext cx="181267" cy="156265"/>
+          </a:xfrm>
+          <a:prstGeom prst="triangle">
+            <a:avLst/>
+          </a:prstGeom>
+        </p:spPr>
+        <p:style>
+          <a:lnRef idx="2">
+            <a:schemeClr val="accent1">
+              <a:shade val="50000"/>
+            </a:schemeClr>
+          </a:lnRef>
+          <a:fillRef idx="1">
+            <a:schemeClr val="accent1"/>
+          </a:fillRef>
+          <a:effectRef idx="0">
+            <a:schemeClr val="accent1"/>
+          </a:effectRef>
+          <a:fontRef idx="minor">
+            <a:schemeClr val="lt1"/>
+          </a:fontRef>
+        </p:style>
+        <p:txBody>
+          <a:bodyPr rtlCol="0" anchor="ctr"/>
+          <a:lstStyle/>
+          <a:p>
+            <a:pPr algn="ctr"/>
+            <a:endParaRPr kumimoji="1" lang="ko-Kore-KR" altLang="en-US"/>
+          </a:p>
+        </p:txBody>
+      </p:sp>
+      <p:cxnSp>
+        <p:nvCxnSpPr>
+          <p:cNvPr id="37" name="직선 화살표 연결선 36">
+            <a:extLst>
+              <a:ext uri="{FF2B5EF4-FFF2-40B4-BE49-F238E27FC236}">
+                <a16:creationId xmlns:a16="http://schemas.microsoft.com/office/drawing/2014/main" id="{C430C6E5-4CA9-877D-A25F-4D7A062795EA}"/>
+              </a:ext>
+            </a:extLst>
+          </p:cNvPr>
+          <p:cNvCxnSpPr>
+            <a:cxnSpLocks/>
+            <a:stCxn id="26" idx="0"/>
+            <a:endCxn id="25" idx="2"/>
+          </p:cNvCxnSpPr>
+          <p:nvPr/>
+        </p:nvCxnSpPr>
+        <p:spPr>
+          <a:xfrm flipH="1" flipV="1">
+            <a:off x="9852153" y="3043855"/>
+            <a:ext cx="1172459" cy="841567"/>
+          </a:xfrm>
+          <a:prstGeom prst="straightConnector1">
+            <a:avLst/>
+          </a:prstGeom>
+          <a:ln>
+            <a:tailEnd type="triangle"/>
+          </a:ln>
+        </p:spPr>
+        <p:style>
+          <a:lnRef idx="3">
+            <a:schemeClr val="accent1"/>
+          </a:lnRef>
+          <a:fillRef idx="0">
+            <a:schemeClr val="accent1"/>
+          </a:fillRef>
+          <a:effectRef idx="2">
+            <a:schemeClr val="accent1"/>
+          </a:effectRef>
+          <a:fontRef idx="minor">
+            <a:schemeClr val="tx1"/>
+          </a:fontRef>
+        </p:style>
+      </p:cxnSp>
+      <p:cxnSp>
+        <p:nvCxnSpPr>
+          <p:cNvPr id="40" name="직선 화살표 연결선 39">
+            <a:extLst>
+              <a:ext uri="{FF2B5EF4-FFF2-40B4-BE49-F238E27FC236}">
+                <a16:creationId xmlns:a16="http://schemas.microsoft.com/office/drawing/2014/main" id="{06DA23D7-374F-A885-6FD6-35A7BE9156E9}"/>
+              </a:ext>
+            </a:extLst>
+          </p:cNvPr>
+          <p:cNvCxnSpPr>
+            <a:cxnSpLocks/>
+            <a:stCxn id="28" idx="0"/>
+            <a:endCxn id="25" idx="2"/>
+          </p:cNvCxnSpPr>
+          <p:nvPr/>
+        </p:nvCxnSpPr>
+        <p:spPr>
+          <a:xfrm flipV="1">
+            <a:off x="8759077" y="3043855"/>
+            <a:ext cx="1093076" cy="836462"/>
+          </a:xfrm>
+          <a:prstGeom prst="straightConnector1">
+            <a:avLst/>
+          </a:prstGeom>
+          <a:ln>
+            <a:tailEnd type="triangle"/>
+          </a:ln>
+        </p:spPr>
+        <p:style>
+          <a:lnRef idx="3">
+            <a:schemeClr val="accent1"/>
+          </a:lnRef>
+          <a:fillRef idx="0">
+            <a:schemeClr val="accent1"/>
+          </a:fillRef>
+          <a:effectRef idx="2">
+            <a:schemeClr val="accent1"/>
+          </a:effectRef>
+          <a:fontRef idx="minor">
+            <a:schemeClr val="tx1"/>
+          </a:fontRef>
+        </p:style>
+      </p:cxnSp>
+      <p:sp>
+        <p:nvSpPr>
+          <p:cNvPr id="4" name="직사각형 3">
+            <a:extLst>
+              <a:ext uri="{FF2B5EF4-FFF2-40B4-BE49-F238E27FC236}">
+                <a16:creationId xmlns:a16="http://schemas.microsoft.com/office/drawing/2014/main" id="{8281B416-959B-2160-1391-6C77AAF98A90}"/>
+              </a:ext>
+            </a:extLst>
+          </p:cNvPr>
+          <p:cNvSpPr/>
+          <p:nvPr/>
+        </p:nvSpPr>
+        <p:spPr>
+          <a:xfrm>
+            <a:off x="2066892" y="5384999"/>
+            <a:ext cx="2186152" cy="1072055"/>
+          </a:xfrm>
+          <a:prstGeom prst="rect">
+            <a:avLst/>
+          </a:prstGeom>
+        </p:spPr>
+        <p:style>
+          <a:lnRef idx="2">
+            <a:schemeClr val="accent1">
+              <a:shade val="50000"/>
+            </a:schemeClr>
+          </a:lnRef>
+          <a:fillRef idx="1">
+            <a:schemeClr val="accent1"/>
+          </a:fillRef>
+          <a:effectRef idx="0">
+            <a:schemeClr val="accent1"/>
+          </a:effectRef>
+          <a:fontRef idx="minor">
+            <a:schemeClr val="lt1"/>
+          </a:fontRef>
+        </p:style>
+        <p:txBody>
+          <a:bodyPr rtlCol="0" anchor="ctr"/>
+          <a:lstStyle/>
+          <a:p>
+            <a:pPr algn="ctr"/>
+            <a:r>
+              <a:rPr kumimoji="1" lang="en-US" altLang="ko-Kore-KR" dirty="0"/>
+              <a:t>&lt;&lt;Concrete&gt;&gt;</a:t>
+            </a:r>
+          </a:p>
+          <a:p>
+            <a:pPr algn="ctr"/>
+            <a:r>
+              <a:rPr kumimoji="1" lang="en-US" altLang="ko-Kore-KR" dirty="0" err="1"/>
+              <a:t>MemberHandler</a:t>
+            </a:r>
+            <a:endParaRPr kumimoji="1" lang="en-US" altLang="ko-Kore-KR" dirty="0"/>
+          </a:p>
+          <a:p>
+            <a:pPr algn="ctr"/>
+            <a:r>
+              <a:rPr kumimoji="1" lang="en-US" altLang="ko-Kore-KR" dirty="0"/>
+              <a:t>class</a:t>
+            </a:r>
+            <a:endParaRPr kumimoji="1" lang="ko-Kore-KR" altLang="en-US" dirty="0"/>
+          </a:p>
+        </p:txBody>
+      </p:sp>
+      <p:sp>
+        <p:nvSpPr>
+          <p:cNvPr id="5" name="직사각형 4">
+            <a:extLst>
+              <a:ext uri="{FF2B5EF4-FFF2-40B4-BE49-F238E27FC236}">
+                <a16:creationId xmlns:a16="http://schemas.microsoft.com/office/drawing/2014/main" id="{9BE81465-3947-9868-D87A-BDE88683111A}"/>
+              </a:ext>
+            </a:extLst>
+          </p:cNvPr>
+          <p:cNvSpPr/>
+          <p:nvPr/>
+        </p:nvSpPr>
+        <p:spPr>
+          <a:xfrm>
+            <a:off x="4797935" y="5384999"/>
+            <a:ext cx="2186152" cy="1072055"/>
+          </a:xfrm>
+          <a:prstGeom prst="rect">
+            <a:avLst/>
+          </a:prstGeom>
+        </p:spPr>
+        <p:style>
+          <a:lnRef idx="2">
+            <a:schemeClr val="accent1">
+              <a:shade val="50000"/>
+            </a:schemeClr>
+          </a:lnRef>
+          <a:fillRef idx="1">
+            <a:schemeClr val="accent1"/>
+          </a:fillRef>
+          <a:effectRef idx="0">
+            <a:schemeClr val="accent1"/>
+          </a:effectRef>
+          <a:fontRef idx="minor">
+            <a:schemeClr val="lt1"/>
+          </a:fontRef>
+        </p:style>
+        <p:txBody>
+          <a:bodyPr rtlCol="0" anchor="ctr"/>
+          <a:lstStyle/>
+          <a:p>
+            <a:pPr algn="ctr"/>
+            <a:r>
+              <a:rPr kumimoji="1" lang="en-US" altLang="ko-Kore-KR" dirty="0" err="1"/>
+              <a:t>MemberDao</a:t>
+            </a:r>
+            <a:endParaRPr kumimoji="1" lang="en-US" altLang="ko-Kore-KR" dirty="0"/>
+          </a:p>
+          <a:p>
+            <a:pPr algn="ctr"/>
+            <a:r>
+              <a:rPr kumimoji="1" lang="en-US" altLang="ko-Kore-KR" dirty="0"/>
+              <a:t>class</a:t>
+            </a:r>
+            <a:endParaRPr kumimoji="1" lang="ko-Kore-KR" altLang="en-US" dirty="0"/>
+          </a:p>
+        </p:txBody>
+      </p:sp>
+      <p:cxnSp>
+        <p:nvCxnSpPr>
+          <p:cNvPr id="6" name="직선 화살표 연결선 5">
+            <a:extLst>
+              <a:ext uri="{FF2B5EF4-FFF2-40B4-BE49-F238E27FC236}">
+                <a16:creationId xmlns:a16="http://schemas.microsoft.com/office/drawing/2014/main" id="{6318B518-1612-16E2-400F-3D1FCAB88C20}"/>
+              </a:ext>
+            </a:extLst>
+          </p:cNvPr>
+          <p:cNvCxnSpPr>
+            <a:cxnSpLocks/>
+            <a:stCxn id="4" idx="3"/>
+            <a:endCxn id="5" idx="1"/>
+          </p:cNvCxnSpPr>
+          <p:nvPr/>
+        </p:nvCxnSpPr>
+        <p:spPr>
+          <a:xfrm>
+            <a:off x="4253044" y="5921027"/>
+            <a:ext cx="544891" cy="0"/>
+          </a:xfrm>
+          <a:prstGeom prst="straightConnector1">
+            <a:avLst/>
+          </a:prstGeom>
+          <a:ln>
+            <a:tailEnd type="triangle"/>
+          </a:ln>
+        </p:spPr>
+        <p:style>
+          <a:lnRef idx="3">
+            <a:schemeClr val="accent1"/>
+          </a:lnRef>
+          <a:fillRef idx="0">
+            <a:schemeClr val="accent1"/>
+          </a:fillRef>
+          <a:effectRef idx="2">
+            <a:schemeClr val="accent1"/>
+          </a:effectRef>
+          <a:fontRef idx="minor">
+            <a:schemeClr val="tx1"/>
+          </a:fontRef>
+        </p:style>
+      </p:cxnSp>
+      <p:cxnSp>
+        <p:nvCxnSpPr>
+          <p:cNvPr id="7" name="직선 화살표 연결선 6">
+            <a:extLst>
+              <a:ext uri="{FF2B5EF4-FFF2-40B4-BE49-F238E27FC236}">
+                <a16:creationId xmlns:a16="http://schemas.microsoft.com/office/drawing/2014/main" id="{35DBA2E6-A38C-4879-361F-7AC601289669}"/>
+              </a:ext>
+            </a:extLst>
+          </p:cNvPr>
+          <p:cNvCxnSpPr>
+            <a:cxnSpLocks/>
+            <a:stCxn id="2" idx="3"/>
+            <a:endCxn id="4" idx="1"/>
+          </p:cNvCxnSpPr>
+          <p:nvPr/>
+        </p:nvCxnSpPr>
+        <p:spPr>
+          <a:xfrm>
+            <a:off x="1404740" y="3361531"/>
+            <a:ext cx="662152" cy="2559496"/>
+          </a:xfrm>
+          <a:prstGeom prst="straightConnector1">
+            <a:avLst/>
+          </a:prstGeom>
+          <a:ln>
+            <a:tailEnd type="triangle"/>
+          </a:ln>
+        </p:spPr>
+        <p:style>
+          <a:lnRef idx="3">
+            <a:schemeClr val="accent1"/>
+          </a:lnRef>
+          <a:fillRef idx="0">
+            <a:schemeClr val="accent1"/>
+          </a:fillRef>
+          <a:effectRef idx="2">
+            <a:schemeClr val="accent1"/>
+          </a:effectRef>
+          <a:fontRef idx="minor">
+            <a:schemeClr val="tx1"/>
+          </a:fontRef>
+        </p:style>
+      </p:cxnSp>
+      <p:cxnSp>
+        <p:nvCxnSpPr>
+          <p:cNvPr id="12" name="직선 화살표 연결선 11">
+            <a:extLst>
+              <a:ext uri="{FF2B5EF4-FFF2-40B4-BE49-F238E27FC236}">
+                <a16:creationId xmlns:a16="http://schemas.microsoft.com/office/drawing/2014/main" id="{51F2E450-6369-BB45-5192-403F005C9CD4}"/>
+              </a:ext>
+            </a:extLst>
+          </p:cNvPr>
+          <p:cNvCxnSpPr>
+            <a:cxnSpLocks/>
+            <a:stCxn id="5" idx="3"/>
+            <a:endCxn id="28" idx="1"/>
+          </p:cNvCxnSpPr>
+          <p:nvPr/>
+        </p:nvCxnSpPr>
+        <p:spPr>
+          <a:xfrm flipV="1">
+            <a:off x="6984087" y="4416345"/>
+            <a:ext cx="681914" cy="1504682"/>
+          </a:xfrm>
+          <a:prstGeom prst="straightConnector1">
+            <a:avLst/>
+          </a:prstGeom>
+          <a:ln>
+            <a:tailEnd type="triangle"/>
+          </a:ln>
+        </p:spPr>
+        <p:style>
+          <a:lnRef idx="3">
+            <a:schemeClr val="accent1"/>
+          </a:lnRef>
+          <a:fillRef idx="0">
+            <a:schemeClr val="accent1"/>
+          </a:fillRef>
+          <a:effectRef idx="2">
+            <a:schemeClr val="accent1"/>
+          </a:effectRef>
+          <a:fontRef idx="minor">
+            <a:schemeClr val="tx1"/>
+          </a:fontRef>
+        </p:style>
+      </p:cxnSp>
+      <p:sp>
+        <p:nvSpPr>
+          <p:cNvPr id="27" name="직사각형 26">
+            <a:extLst>
+              <a:ext uri="{FF2B5EF4-FFF2-40B4-BE49-F238E27FC236}">
+                <a16:creationId xmlns:a16="http://schemas.microsoft.com/office/drawing/2014/main" id="{B2B9A638-4282-001F-2729-F7F1FEE51958}"/>
+              </a:ext>
+            </a:extLst>
+          </p:cNvPr>
+          <p:cNvSpPr/>
+          <p:nvPr/>
+        </p:nvSpPr>
+        <p:spPr>
+          <a:xfrm>
+            <a:off x="2066892" y="2825503"/>
+            <a:ext cx="2186152" cy="1072055"/>
+          </a:xfrm>
+          <a:prstGeom prst="rect">
+            <a:avLst/>
+          </a:prstGeom>
+        </p:spPr>
+        <p:style>
+          <a:lnRef idx="2">
+            <a:schemeClr val="accent1">
+              <a:shade val="50000"/>
+            </a:schemeClr>
+          </a:lnRef>
+          <a:fillRef idx="1">
+            <a:schemeClr val="accent1"/>
+          </a:fillRef>
+          <a:effectRef idx="0">
+            <a:schemeClr val="accent1"/>
+          </a:effectRef>
+          <a:fontRef idx="minor">
+            <a:schemeClr val="lt1"/>
+          </a:fontRef>
+        </p:style>
+        <p:txBody>
+          <a:bodyPr rtlCol="0" anchor="ctr"/>
+          <a:lstStyle/>
+          <a:p>
+            <a:pPr algn="ctr"/>
+            <a:r>
+              <a:rPr kumimoji="1" lang="en-US" altLang="ko-Kore-KR" dirty="0"/>
+              <a:t>&lt;&lt;Interface&gt;&gt;</a:t>
+            </a:r>
+          </a:p>
+          <a:p>
+            <a:pPr algn="ctr"/>
+            <a:r>
+              <a:rPr kumimoji="1" lang="en-US" altLang="ko-Kore-KR" dirty="0"/>
+              <a:t>Handler</a:t>
+            </a:r>
+            <a:endParaRPr kumimoji="1" lang="ko-Kore-KR" altLang="en-US" dirty="0"/>
+          </a:p>
+        </p:txBody>
+      </p:sp>
+      <p:cxnSp>
+        <p:nvCxnSpPr>
+          <p:cNvPr id="29" name="직선 화살표 연결선 28">
+            <a:extLst>
+              <a:ext uri="{FF2B5EF4-FFF2-40B4-BE49-F238E27FC236}">
+                <a16:creationId xmlns:a16="http://schemas.microsoft.com/office/drawing/2014/main" id="{388763F5-AA32-41A0-4555-6BA3DD3935CD}"/>
+              </a:ext>
+            </a:extLst>
+          </p:cNvPr>
+          <p:cNvCxnSpPr>
+            <a:cxnSpLocks/>
+            <a:stCxn id="4" idx="0"/>
+            <a:endCxn id="27" idx="2"/>
+          </p:cNvCxnSpPr>
+          <p:nvPr/>
+        </p:nvCxnSpPr>
+        <p:spPr>
+          <a:xfrm flipV="1">
+            <a:off x="3159968" y="3897558"/>
+            <a:ext cx="0" cy="1487441"/>
+          </a:xfrm>
+          <a:prstGeom prst="straightConnector1">
+            <a:avLst/>
+          </a:prstGeom>
+          <a:ln w="9525" cap="flat" cmpd="sng" algn="ctr">
+            <a:solidFill>
+              <a:schemeClr val="accent1"/>
+            </a:solidFill>
+            <a:prstDash val="dash"/>
+            <a:round/>
+            <a:headEnd type="none" w="med" len="med"/>
+            <a:tailEnd type="none" w="med" len="med"/>
+          </a:ln>
+        </p:spPr>
+        <p:style>
+          <a:lnRef idx="0">
+            <a:scrgbClr r="0" g="0" b="0"/>
+          </a:lnRef>
+          <a:fillRef idx="0">
+            <a:scrgbClr r="0" g="0" b="0"/>
+          </a:fillRef>
+          <a:effectRef idx="0">
+            <a:scrgbClr r="0" g="0" b="0"/>
+          </a:effectRef>
+          <a:fontRef idx="minor">
+            <a:schemeClr val="tx1"/>
+          </a:fontRef>
+        </p:style>
+      </p:cxnSp>
+      <p:sp>
+        <p:nvSpPr>
+          <p:cNvPr id="30" name="삼각형 29">
+            <a:extLst>
+              <a:ext uri="{FF2B5EF4-FFF2-40B4-BE49-F238E27FC236}">
+                <a16:creationId xmlns:a16="http://schemas.microsoft.com/office/drawing/2014/main" id="{9F4B673C-7935-6F18-1034-E13000627D20}"/>
+              </a:ext>
+            </a:extLst>
+          </p:cNvPr>
+          <p:cNvSpPr/>
+          <p:nvPr/>
+        </p:nvSpPr>
+        <p:spPr>
+          <a:xfrm>
+            <a:off x="3069334" y="3921211"/>
+            <a:ext cx="181267" cy="156265"/>
+          </a:xfrm>
+          <a:prstGeom prst="triangle">
+            <a:avLst/>
+          </a:prstGeom>
+        </p:spPr>
+        <p:style>
+          <a:lnRef idx="2">
+            <a:schemeClr val="accent1">
+              <a:shade val="50000"/>
+            </a:schemeClr>
+          </a:lnRef>
+          <a:fillRef idx="1">
+            <a:schemeClr val="accent1"/>
+          </a:fillRef>
+          <a:effectRef idx="0">
+            <a:schemeClr val="accent1"/>
+          </a:effectRef>
+          <a:fontRef idx="minor">
+            <a:schemeClr val="lt1"/>
+          </a:fontRef>
+        </p:style>
+        <p:txBody>
+          <a:bodyPr rtlCol="0" anchor="ctr"/>
+          <a:lstStyle/>
+          <a:p>
+            <a:pPr algn="ctr"/>
+            <a:endParaRPr kumimoji="1" lang="ko-Kore-KR" altLang="en-US"/>
+          </a:p>
+        </p:txBody>
+      </p:sp>
+      <p:cxnSp>
+        <p:nvCxnSpPr>
+          <p:cNvPr id="33" name="직선 화살표 연결선 32">
+            <a:extLst>
+              <a:ext uri="{FF2B5EF4-FFF2-40B4-BE49-F238E27FC236}">
+                <a16:creationId xmlns:a16="http://schemas.microsoft.com/office/drawing/2014/main" id="{42639CD4-5821-9882-53A5-620A117AF502}"/>
+              </a:ext>
+            </a:extLst>
+          </p:cNvPr>
+          <p:cNvCxnSpPr>
+            <a:cxnSpLocks/>
+            <a:stCxn id="27" idx="0"/>
+            <a:endCxn id="9" idx="2"/>
+          </p:cNvCxnSpPr>
+          <p:nvPr/>
+        </p:nvCxnSpPr>
+        <p:spPr>
+          <a:xfrm flipV="1">
+            <a:off x="3159968" y="1483062"/>
+            <a:ext cx="0" cy="1342441"/>
+          </a:xfrm>
+          <a:prstGeom prst="straightConnector1">
+            <a:avLst/>
+          </a:prstGeom>
+          <a:ln w="9525" cap="flat" cmpd="sng" algn="ctr">
+            <a:solidFill>
+              <a:schemeClr val="accent1"/>
+            </a:solidFill>
+            <a:prstDash val="dash"/>
+            <a:round/>
+            <a:headEnd type="none" w="med" len="med"/>
+            <a:tailEnd type="none" w="med" len="med"/>
+          </a:ln>
+        </p:spPr>
+        <p:style>
+          <a:lnRef idx="0">
+            <a:scrgbClr r="0" g="0" b="0"/>
+          </a:lnRef>
+          <a:fillRef idx="0">
+            <a:scrgbClr r="0" g="0" b="0"/>
+          </a:fillRef>
+          <a:effectRef idx="0">
+            <a:scrgbClr r="0" g="0" b="0"/>
+          </a:effectRef>
+          <a:fontRef idx="minor">
+            <a:schemeClr val="tx1"/>
+          </a:fontRef>
+        </p:style>
+      </p:cxnSp>
+      <p:sp>
+        <p:nvSpPr>
+          <p:cNvPr id="34" name="삼각형 33">
+            <a:extLst>
+              <a:ext uri="{FF2B5EF4-FFF2-40B4-BE49-F238E27FC236}">
+                <a16:creationId xmlns:a16="http://schemas.microsoft.com/office/drawing/2014/main" id="{EDFB6E85-CE2C-964F-4DE7-E19E8B0F27B2}"/>
+              </a:ext>
+            </a:extLst>
+          </p:cNvPr>
+          <p:cNvSpPr/>
+          <p:nvPr/>
+        </p:nvSpPr>
+        <p:spPr>
+          <a:xfrm rot="10800000">
+            <a:off x="3069334" y="2622782"/>
+            <a:ext cx="181267" cy="156265"/>
+          </a:xfrm>
+          <a:prstGeom prst="triangle">
+            <a:avLst/>
+          </a:prstGeom>
+        </p:spPr>
+        <p:style>
+          <a:lnRef idx="2">
+            <a:schemeClr val="accent1">
+              <a:shade val="50000"/>
+            </a:schemeClr>
+          </a:lnRef>
+          <a:fillRef idx="1">
+            <a:schemeClr val="accent1"/>
+          </a:fillRef>
+          <a:effectRef idx="0">
+            <a:schemeClr val="accent1"/>
+          </a:effectRef>
+          <a:fontRef idx="minor">
+            <a:schemeClr val="lt1"/>
+          </a:fontRef>
+        </p:style>
+        <p:txBody>
+          <a:bodyPr rtlCol="0" anchor="ctr"/>
+          <a:lstStyle/>
+          <a:p>
+            <a:pPr algn="ctr"/>
+            <a:endParaRPr kumimoji="1" lang="ko-Kore-KR" altLang="en-US"/>
+          </a:p>
+        </p:txBody>
+      </p:sp>
+    </p:spTree>
+    <p:extLst>
+      <p:ext uri="{BB962C8B-B14F-4D97-AF65-F5344CB8AC3E}">
+        <p14:creationId xmlns:p14="http://schemas.microsoft.com/office/powerpoint/2010/main" val="3713779322"/>
       </p:ext>
     </p:extLst>
   </p:cSld>
